--- a/docs/diagrams/ChangingThemesDiagrams.pptx
+++ b/docs/diagrams/ChangingThemesDiagrams.pptx
@@ -4242,7 +4242,7 @@
           <p:cNvPr id="44" name="TextBox 43">
             <a:extLst>
               <a:ext uri="{FF2B5EF4-FFF2-40B4-BE49-F238E27FC236}">
-                <a16:creationId xmlns:a16="http://schemas.microsoft.com/office/drawing/2014/main" xmlns="" id="{CA52B217-5F80-4CAE-A892-D20DE5B9A802}"/>
+                <a16:creationId xmlns="" xmlns:a16="http://schemas.microsoft.com/office/drawing/2014/main" id="{CA52B217-5F80-4CAE-A892-D20DE5B9A802}"/>
               </a:ext>
             </a:extLst>
           </p:cNvPr>
@@ -4287,7 +4287,7 @@
           <p:cNvPr id="45" name="TextBox 44">
             <a:extLst>
               <a:ext uri="{FF2B5EF4-FFF2-40B4-BE49-F238E27FC236}">
-                <a16:creationId xmlns:a16="http://schemas.microsoft.com/office/drawing/2014/main" xmlns="" id="{CA52B217-5F80-4CAE-A892-D20DE5B9A802}"/>
+                <a16:creationId xmlns="" xmlns:a16="http://schemas.microsoft.com/office/drawing/2014/main" id="{CA52B217-5F80-4CAE-A892-D20DE5B9A802}"/>
               </a:ext>
             </a:extLst>
           </p:cNvPr>
@@ -4332,7 +4332,7 @@
           <p:cNvPr id="46" name="TextBox 45">
             <a:extLst>
               <a:ext uri="{FF2B5EF4-FFF2-40B4-BE49-F238E27FC236}">
-                <a16:creationId xmlns:a16="http://schemas.microsoft.com/office/drawing/2014/main" xmlns="" id="{CA52B217-5F80-4CAE-A892-D20DE5B9A802}"/>
+                <a16:creationId xmlns="" xmlns:a16="http://schemas.microsoft.com/office/drawing/2014/main" id="{CA52B217-5F80-4CAE-A892-D20DE5B9A802}"/>
               </a:ext>
             </a:extLst>
           </p:cNvPr>
@@ -4377,7 +4377,7 @@
           <p:cNvPr id="47" name="TextBox 46">
             <a:extLst>
               <a:ext uri="{FF2B5EF4-FFF2-40B4-BE49-F238E27FC236}">
-                <a16:creationId xmlns:a16="http://schemas.microsoft.com/office/drawing/2014/main" xmlns="" id="{CA52B217-5F80-4CAE-A892-D20DE5B9A802}"/>
+                <a16:creationId xmlns="" xmlns:a16="http://schemas.microsoft.com/office/drawing/2014/main" id="{CA52B217-5F80-4CAE-A892-D20DE5B9A802}"/>
               </a:ext>
             </a:extLst>
           </p:cNvPr>
@@ -4456,9 +4456,9 @@
         <p:grpSpPr>
           <a:xfrm>
             <a:off x="228600" y="1981200"/>
-            <a:ext cx="8834815" cy="2164943"/>
+            <a:ext cx="8759706" cy="2164943"/>
             <a:chOff x="155276" y="533399"/>
-            <a:chExt cx="9001503" cy="2164944"/>
+            <a:chExt cx="8924977" cy="2164944"/>
           </a:xfrm>
         </p:grpSpPr>
         <p:sp>
@@ -5303,7 +5303,7 @@
           </p:nvSpPr>
           <p:spPr>
             <a:xfrm>
-              <a:off x="4347711" y="1620940"/>
+              <a:off x="4247093" y="1631549"/>
               <a:ext cx="1738693" cy="184666"/>
             </a:xfrm>
             <a:prstGeom prst="rect">
@@ -5349,7 +5349,7 @@
           </p:nvSpPr>
           <p:spPr>
             <a:xfrm>
-              <a:off x="6799065" y="1688711"/>
+              <a:off x="6531363" y="1609525"/>
               <a:ext cx="2357714" cy="184666"/>
             </a:xfrm>
             <a:prstGeom prst="rect">

--- a/docs/diagrams/ChangingThemesDiagrams.pptx
+++ b/docs/diagrams/ChangingThemesDiagrams.pptx
@@ -5,11 +5,13 @@
     <p:sldMasterId id="2147483648" r:id="rId1"/>
   </p:sldMasterIdLst>
   <p:notesMasterIdLst>
-    <p:notesMasterId r:id="rId4"/>
+    <p:notesMasterId r:id="rId6"/>
   </p:notesMasterIdLst>
   <p:sldIdLst>
     <p:sldId id="264" r:id="rId2"/>
     <p:sldId id="265" r:id="rId3"/>
+    <p:sldId id="266" r:id="rId4"/>
+    <p:sldId id="267" r:id="rId5"/>
   </p:sldIdLst>
   <p:sldSz cx="9144000" cy="6858000" type="screen4x3"/>
   <p:notesSz cx="6858000" cy="9144000"/>
@@ -209,7 +211,7 @@
           <a:p>
             <a:fld id="{F5CC4B3F-88C1-4FFA-B1B6-F41C21DC6924}" type="datetimeFigureOut">
               <a:rPr lang="en-US" smtClean="0"/>
-              <a:t>4/14/18</a:t>
+              <a:t>4/15/18</a:t>
             </a:fld>
             <a:endParaRPr lang="en-US"/>
           </a:p>
@@ -560,6 +562,90 @@
 </p:notes>
 </file>
 
+<file path=ppt/notesSlides/notesSlide2.xml><?xml version="1.0" encoding="utf-8"?>
+<p:notes xmlns:a="http://schemas.openxmlformats.org/drawingml/2006/main" xmlns:r="http://schemas.openxmlformats.org/officeDocument/2006/relationships" xmlns:p="http://schemas.openxmlformats.org/presentationml/2006/main">
+  <p:cSld>
+    <p:spTree>
+      <p:nvGrpSpPr>
+        <p:cNvPr id="1" name=""/>
+        <p:cNvGrpSpPr/>
+        <p:nvPr/>
+      </p:nvGrpSpPr>
+      <p:grpSpPr>
+        <a:xfrm>
+          <a:off x="0" y="0"/>
+          <a:ext cx="0" cy="0"/>
+          <a:chOff x="0" y="0"/>
+          <a:chExt cx="0" cy="0"/>
+        </a:xfrm>
+      </p:grpSpPr>
+      <p:sp>
+        <p:nvSpPr>
+          <p:cNvPr id="2" name="Slide Image Placeholder 1"/>
+          <p:cNvSpPr>
+            <a:spLocks noGrp="1" noRot="1" noChangeAspect="1"/>
+          </p:cNvSpPr>
+          <p:nvPr>
+            <p:ph type="sldImg"/>
+          </p:nvPr>
+        </p:nvSpPr>
+        <p:spPr/>
+      </p:sp>
+      <p:sp>
+        <p:nvSpPr>
+          <p:cNvPr id="3" name="Notes Placeholder 2"/>
+          <p:cNvSpPr>
+            <a:spLocks noGrp="1"/>
+          </p:cNvSpPr>
+          <p:nvPr>
+            <p:ph type="body" idx="1"/>
+          </p:nvPr>
+        </p:nvSpPr>
+        <p:spPr/>
+        <p:txBody>
+          <a:bodyPr/>
+          <a:lstStyle/>
+          <a:p>
+            <a:endParaRPr lang="en-GB" dirty="0"/>
+          </a:p>
+        </p:txBody>
+      </p:sp>
+      <p:sp>
+        <p:nvSpPr>
+          <p:cNvPr id="4" name="Slide Number Placeholder 3"/>
+          <p:cNvSpPr>
+            <a:spLocks noGrp="1"/>
+          </p:cNvSpPr>
+          <p:nvPr>
+            <p:ph type="sldNum" sz="quarter" idx="10"/>
+          </p:nvPr>
+        </p:nvSpPr>
+        <p:spPr/>
+        <p:txBody>
+          <a:bodyPr/>
+          <a:lstStyle/>
+          <a:p>
+            <a:fld id="{5A7AB025-77E3-4BD1-A2FD-B3183DBA47A3}" type="slidenum">
+              <a:rPr lang="en-US" smtClean="0"/>
+              <a:t>3</a:t>
+            </a:fld>
+            <a:endParaRPr lang="en-US"/>
+          </a:p>
+        </p:txBody>
+      </p:sp>
+    </p:spTree>
+    <p:extLst>
+      <p:ext uri="{BB962C8B-B14F-4D97-AF65-F5344CB8AC3E}">
+        <p14:creationId xmlns:p14="http://schemas.microsoft.com/office/powerpoint/2010/main" val="130508964"/>
+      </p:ext>
+    </p:extLst>
+  </p:cSld>
+  <p:clrMapOvr>
+    <a:masterClrMapping/>
+  </p:clrMapOvr>
+</p:notes>
+</file>
+
 <file path=ppt/slideLayouts/slideLayout1.xml><?xml version="1.0" encoding="utf-8"?>
 <p:sldLayout xmlns:a="http://schemas.openxmlformats.org/drawingml/2006/main" xmlns:r="http://schemas.openxmlformats.org/officeDocument/2006/relationships" xmlns:p="http://schemas.openxmlformats.org/presentationml/2006/main" type="title" preserve="1">
   <p:cSld name="Title Slide">
@@ -739,7 +825,7 @@
           <a:p>
             <a:fld id="{78C97017-6FC3-485B-9764-EAC9E56C1D49}" type="datetimeFigureOut">
               <a:rPr lang="en-US" smtClean="0"/>
-              <a:t>4/14/18</a:t>
+              <a:t>4/15/18</a:t>
             </a:fld>
             <a:endParaRPr lang="en-US"/>
           </a:p>
@@ -907,7 +993,7 @@
           <a:p>
             <a:fld id="{78C97017-6FC3-485B-9764-EAC9E56C1D49}" type="datetimeFigureOut">
               <a:rPr lang="en-US" smtClean="0"/>
-              <a:t>4/14/18</a:t>
+              <a:t>4/15/18</a:t>
             </a:fld>
             <a:endParaRPr lang="en-US"/>
           </a:p>
@@ -1085,7 +1171,7 @@
           <a:p>
             <a:fld id="{78C97017-6FC3-485B-9764-EAC9E56C1D49}" type="datetimeFigureOut">
               <a:rPr lang="en-US" smtClean="0"/>
-              <a:t>4/14/18</a:t>
+              <a:t>4/15/18</a:t>
             </a:fld>
             <a:endParaRPr lang="en-US"/>
           </a:p>
@@ -1253,7 +1339,7 @@
           <a:p>
             <a:fld id="{78C97017-6FC3-485B-9764-EAC9E56C1D49}" type="datetimeFigureOut">
               <a:rPr lang="en-US" smtClean="0"/>
-              <a:t>4/14/18</a:t>
+              <a:t>4/15/18</a:t>
             </a:fld>
             <a:endParaRPr lang="en-US"/>
           </a:p>
@@ -1498,7 +1584,7 @@
           <a:p>
             <a:fld id="{78C97017-6FC3-485B-9764-EAC9E56C1D49}" type="datetimeFigureOut">
               <a:rPr lang="en-US" smtClean="0"/>
-              <a:t>4/14/18</a:t>
+              <a:t>4/15/18</a:t>
             </a:fld>
             <a:endParaRPr lang="en-US"/>
           </a:p>
@@ -1783,7 +1869,7 @@
           <a:p>
             <a:fld id="{78C97017-6FC3-485B-9764-EAC9E56C1D49}" type="datetimeFigureOut">
               <a:rPr lang="en-US" smtClean="0"/>
-              <a:t>4/14/18</a:t>
+              <a:t>4/15/18</a:t>
             </a:fld>
             <a:endParaRPr lang="en-US"/>
           </a:p>
@@ -2202,7 +2288,7 @@
           <a:p>
             <a:fld id="{78C97017-6FC3-485B-9764-EAC9E56C1D49}" type="datetimeFigureOut">
               <a:rPr lang="en-US" smtClean="0"/>
-              <a:t>4/14/18</a:t>
+              <a:t>4/15/18</a:t>
             </a:fld>
             <a:endParaRPr lang="en-US"/>
           </a:p>
@@ -2319,7 +2405,7 @@
           <a:p>
             <a:fld id="{78C97017-6FC3-485B-9764-EAC9E56C1D49}" type="datetimeFigureOut">
               <a:rPr lang="en-US" smtClean="0"/>
-              <a:t>4/14/18</a:t>
+              <a:t>4/15/18</a:t>
             </a:fld>
             <a:endParaRPr lang="en-US"/>
           </a:p>
@@ -2414,7 +2500,7 @@
           <a:p>
             <a:fld id="{78C97017-6FC3-485B-9764-EAC9E56C1D49}" type="datetimeFigureOut">
               <a:rPr lang="en-US" smtClean="0"/>
-              <a:t>4/14/18</a:t>
+              <a:t>4/15/18</a:t>
             </a:fld>
             <a:endParaRPr lang="en-US"/>
           </a:p>
@@ -2689,7 +2775,7 @@
           <a:p>
             <a:fld id="{78C97017-6FC3-485B-9764-EAC9E56C1D49}" type="datetimeFigureOut">
               <a:rPr lang="en-US" smtClean="0"/>
-              <a:t>4/14/18</a:t>
+              <a:t>4/15/18</a:t>
             </a:fld>
             <a:endParaRPr lang="en-US"/>
           </a:p>
@@ -2941,7 +3027,7 @@
           <a:p>
             <a:fld id="{78C97017-6FC3-485B-9764-EAC9E56C1D49}" type="datetimeFigureOut">
               <a:rPr lang="en-US" smtClean="0"/>
-              <a:t>4/14/18</a:t>
+              <a:t>4/15/18</a:t>
             </a:fld>
             <a:endParaRPr lang="en-US"/>
           </a:p>
@@ -3152,7 +3238,7 @@
           <a:p>
             <a:fld id="{78C97017-6FC3-485B-9764-EAC9E56C1D49}" type="datetimeFigureOut">
               <a:rPr lang="en-US" smtClean="0"/>
-              <a:t>4/14/18</a:t>
+              <a:t>4/15/18</a:t>
             </a:fld>
             <a:endParaRPr lang="en-US"/>
           </a:p>
@@ -4242,7 +4328,7 @@
           <p:cNvPr id="44" name="TextBox 43">
             <a:extLst>
               <a:ext uri="{FF2B5EF4-FFF2-40B4-BE49-F238E27FC236}">
-                <a16:creationId xmlns="" xmlns:a16="http://schemas.microsoft.com/office/drawing/2014/main" id="{CA52B217-5F80-4CAE-A892-D20DE5B9A802}"/>
+                <a16:creationId xmlns:a16="http://schemas.microsoft.com/office/drawing/2014/main" xmlns="" id="{CA52B217-5F80-4CAE-A892-D20DE5B9A802}"/>
               </a:ext>
             </a:extLst>
           </p:cNvPr>
@@ -4287,7 +4373,7 @@
           <p:cNvPr id="45" name="TextBox 44">
             <a:extLst>
               <a:ext uri="{FF2B5EF4-FFF2-40B4-BE49-F238E27FC236}">
-                <a16:creationId xmlns="" xmlns:a16="http://schemas.microsoft.com/office/drawing/2014/main" id="{CA52B217-5F80-4CAE-A892-D20DE5B9A802}"/>
+                <a16:creationId xmlns:a16="http://schemas.microsoft.com/office/drawing/2014/main" xmlns="" id="{CA52B217-5F80-4CAE-A892-D20DE5B9A802}"/>
               </a:ext>
             </a:extLst>
           </p:cNvPr>
@@ -4332,7 +4418,7 @@
           <p:cNvPr id="46" name="TextBox 45">
             <a:extLst>
               <a:ext uri="{FF2B5EF4-FFF2-40B4-BE49-F238E27FC236}">
-                <a16:creationId xmlns="" xmlns:a16="http://schemas.microsoft.com/office/drawing/2014/main" id="{CA52B217-5F80-4CAE-A892-D20DE5B9A802}"/>
+                <a16:creationId xmlns:a16="http://schemas.microsoft.com/office/drawing/2014/main" xmlns="" id="{CA52B217-5F80-4CAE-A892-D20DE5B9A802}"/>
               </a:ext>
             </a:extLst>
           </p:cNvPr>
@@ -4377,7 +4463,7 @@
           <p:cNvPr id="47" name="TextBox 46">
             <a:extLst>
               <a:ext uri="{FF2B5EF4-FFF2-40B4-BE49-F238E27FC236}">
-                <a16:creationId xmlns="" xmlns:a16="http://schemas.microsoft.com/office/drawing/2014/main" id="{CA52B217-5F80-4CAE-A892-D20DE5B9A802}"/>
+                <a16:creationId xmlns:a16="http://schemas.microsoft.com/office/drawing/2014/main" xmlns="" id="{CA52B217-5F80-4CAE-A892-D20DE5B9A802}"/>
               </a:ext>
             </a:extLst>
           </p:cNvPr>
@@ -4447,18 +4533,1764 @@
           <a:chExt cx="0" cy="0"/>
         </a:xfrm>
       </p:grpSpPr>
+      <p:cxnSp>
+        <p:nvCxnSpPr>
+          <p:cNvPr id="41" name="Straight Connector 40"/>
+          <p:cNvCxnSpPr/>
+          <p:nvPr/>
+        </p:nvCxnSpPr>
+        <p:spPr>
+          <a:xfrm>
+            <a:off x="3945980" y="2218725"/>
+            <a:ext cx="0" cy="1723058"/>
+          </a:xfrm>
+          <a:prstGeom prst="line">
+            <a:avLst/>
+          </a:prstGeom>
+          <a:ln w="19050">
+            <a:solidFill>
+              <a:srgbClr val="0070C0"/>
+            </a:solidFill>
+            <a:prstDash val="sysDash"/>
+          </a:ln>
+          <a:effectLst/>
+        </p:spPr>
+        <p:style>
+          <a:lnRef idx="1">
+            <a:schemeClr val="accent1"/>
+          </a:lnRef>
+          <a:fillRef idx="2">
+            <a:schemeClr val="accent1"/>
+          </a:fillRef>
+          <a:effectRef idx="1">
+            <a:schemeClr val="accent1"/>
+          </a:effectRef>
+          <a:fontRef idx="minor">
+            <a:schemeClr val="dk1"/>
+          </a:fontRef>
+        </p:style>
+      </p:cxnSp>
+      <p:sp>
+        <p:nvSpPr>
+          <p:cNvPr id="3" name="Rectangle 62"/>
+          <p:cNvSpPr/>
+          <p:nvPr/>
+        </p:nvSpPr>
+        <p:spPr>
+          <a:xfrm>
+            <a:off x="1398040" y="2055725"/>
+            <a:ext cx="1093634" cy="346760"/>
+          </a:xfrm>
+          <a:prstGeom prst="rect">
+            <a:avLst/>
+          </a:prstGeom>
+          <a:solidFill>
+            <a:srgbClr val="00B050"/>
+          </a:solidFill>
+          <a:ln w="19050">
+            <a:solidFill>
+              <a:srgbClr val="00B050"/>
+            </a:solidFill>
+          </a:ln>
+          <a:effectLst/>
+        </p:spPr>
+        <p:style>
+          <a:lnRef idx="1">
+            <a:schemeClr val="accent2"/>
+          </a:lnRef>
+          <a:fillRef idx="2">
+            <a:schemeClr val="accent2"/>
+          </a:fillRef>
+          <a:effectRef idx="1">
+            <a:schemeClr val="accent2"/>
+          </a:effectRef>
+          <a:fontRef idx="minor">
+            <a:schemeClr val="dk1"/>
+          </a:fontRef>
+        </p:style>
+        <p:txBody>
+          <a:bodyPr rtlCol="0" anchor="ctr"/>
+          <a:lstStyle/>
+          <a:p>
+            <a:pPr algn="ctr"/>
+            <a:r>
+              <a:rPr lang="en-US" sz="1200" dirty="0" smtClean="0">
+                <a:solidFill>
+                  <a:schemeClr val="bg1"/>
+                </a:solidFill>
+              </a:rPr>
+              <a:t>:UI</a:t>
+            </a:r>
+            <a:endParaRPr lang="en-SG" sz="1200" dirty="0">
+              <a:solidFill>
+                <a:schemeClr val="bg1"/>
+              </a:solidFill>
+            </a:endParaRPr>
+          </a:p>
+        </p:txBody>
+      </p:sp>
+      <p:sp>
+        <p:nvSpPr>
+          <p:cNvPr id="5" name="Rectangle 4"/>
+          <p:cNvSpPr/>
+          <p:nvPr/>
+        </p:nvSpPr>
+        <p:spPr>
+          <a:xfrm>
+            <a:off x="1822429" y="2770091"/>
+            <a:ext cx="147377" cy="1908000"/>
+          </a:xfrm>
+          <a:prstGeom prst="rect">
+            <a:avLst/>
+          </a:prstGeom>
+          <a:solidFill>
+            <a:srgbClr val="00B050"/>
+          </a:solidFill>
+          <a:ln>
+            <a:solidFill>
+              <a:srgbClr val="00B050"/>
+            </a:solidFill>
+          </a:ln>
+          <a:effectLst/>
+        </p:spPr>
+        <p:style>
+          <a:lnRef idx="1">
+            <a:schemeClr val="accent3"/>
+          </a:lnRef>
+          <a:fillRef idx="2">
+            <a:schemeClr val="accent3"/>
+          </a:fillRef>
+          <a:effectRef idx="1">
+            <a:schemeClr val="accent3"/>
+          </a:effectRef>
+          <a:fontRef idx="minor">
+            <a:schemeClr val="dk1"/>
+          </a:fontRef>
+        </p:style>
+        <p:txBody>
+          <a:bodyPr rtlCol="0" anchor="ctr"/>
+          <a:lstStyle/>
+          <a:p>
+            <a:pPr algn="ctr"/>
+            <a:endParaRPr lang="en-SG" sz="1400">
+              <a:solidFill>
+                <a:schemeClr val="dk1"/>
+              </a:solidFill>
+            </a:endParaRPr>
+          </a:p>
+        </p:txBody>
+      </p:sp>
       <p:grpSp>
         <p:nvGrpSpPr>
-          <p:cNvPr id="2" name="Group 1"/>
+          <p:cNvPr id="6" name="Actor"/>
           <p:cNvGrpSpPr/>
           <p:nvPr/>
         </p:nvGrpSpPr>
         <p:grpSpPr>
           <a:xfrm>
             <a:off x="228600" y="1981200"/>
-            <a:ext cx="8759706" cy="2164943"/>
-            <a:chOff x="155276" y="533399"/>
-            <a:chExt cx="8924977" cy="2164944"/>
+            <a:ext cx="324036" cy="573410"/>
+            <a:chOff x="3239901" y="4149080"/>
+            <a:chExt cx="648072" cy="1146820"/>
+          </a:xfrm>
+        </p:grpSpPr>
+        <p:sp>
+          <p:nvSpPr>
+            <p:cNvPr id="29" name="Flowchart: Connector 7"/>
+            <p:cNvSpPr/>
+            <p:nvPr/>
+          </p:nvSpPr>
+          <p:spPr>
+            <a:xfrm>
+              <a:off x="3419872" y="4149080"/>
+              <a:ext cx="288032" cy="288032"/>
+            </a:xfrm>
+            <a:prstGeom prst="flowChartConnector">
+              <a:avLst/>
+            </a:prstGeom>
+            <a:solidFill>
+              <a:schemeClr val="bg1">
+                <a:lumMod val="85000"/>
+              </a:schemeClr>
+            </a:solidFill>
+            <a:ln w="28575">
+              <a:solidFill>
+                <a:schemeClr val="tx1"/>
+              </a:solidFill>
+            </a:ln>
+            <a:effectLst/>
+          </p:spPr>
+          <p:style>
+            <a:lnRef idx="1">
+              <a:schemeClr val="accent4"/>
+            </a:lnRef>
+            <a:fillRef idx="2">
+              <a:schemeClr val="accent4"/>
+            </a:fillRef>
+            <a:effectRef idx="1">
+              <a:schemeClr val="accent4"/>
+            </a:effectRef>
+            <a:fontRef idx="minor">
+              <a:schemeClr val="dk1"/>
+            </a:fontRef>
+          </p:style>
+          <p:txBody>
+            <a:bodyPr rtlCol="0" anchor="ctr"/>
+            <a:lstStyle/>
+            <a:p>
+              <a:pPr algn="ctr"/>
+              <a:endParaRPr lang="en-SG"/>
+            </a:p>
+          </p:txBody>
+        </p:sp>
+        <p:cxnSp>
+          <p:nvCxnSpPr>
+            <p:cNvPr id="30" name="Straight Connector 29"/>
+            <p:cNvCxnSpPr/>
+            <p:nvPr/>
+          </p:nvCxnSpPr>
+          <p:spPr>
+            <a:xfrm>
+              <a:off x="3563888" y="4437112"/>
+              <a:ext cx="0" cy="504056"/>
+            </a:xfrm>
+            <a:prstGeom prst="line">
+              <a:avLst/>
+            </a:prstGeom>
+            <a:ln w="28575">
+              <a:solidFill>
+                <a:schemeClr val="tx1"/>
+              </a:solidFill>
+            </a:ln>
+            <a:effectLst/>
+          </p:spPr>
+          <p:style>
+            <a:lnRef idx="1">
+              <a:schemeClr val="accent4"/>
+            </a:lnRef>
+            <a:fillRef idx="2">
+              <a:schemeClr val="accent4"/>
+            </a:fillRef>
+            <a:effectRef idx="1">
+              <a:schemeClr val="accent4"/>
+            </a:effectRef>
+            <a:fontRef idx="minor">
+              <a:schemeClr val="dk1"/>
+            </a:fontRef>
+          </p:style>
+        </p:cxnSp>
+        <p:sp>
+          <p:nvSpPr>
+            <p:cNvPr id="31" name="Freeform 30"/>
+            <p:cNvSpPr/>
+            <p:nvPr/>
+          </p:nvSpPr>
+          <p:spPr>
+            <a:xfrm>
+              <a:off x="3324225" y="4933950"/>
+              <a:ext cx="479425" cy="361950"/>
+            </a:xfrm>
+            <a:custGeom>
+              <a:avLst/>
+              <a:gdLst>
+                <a:gd name="connsiteX0" fmla="*/ 0 w 479425"/>
+                <a:gd name="connsiteY0" fmla="*/ 355600 h 361950"/>
+                <a:gd name="connsiteX1" fmla="*/ 241300 w 479425"/>
+                <a:gd name="connsiteY1" fmla="*/ 0 h 361950"/>
+                <a:gd name="connsiteX2" fmla="*/ 479425 w 479425"/>
+                <a:gd name="connsiteY2" fmla="*/ 361950 h 361950"/>
+              </a:gdLst>
+              <a:ahLst/>
+              <a:cxnLst>
+                <a:cxn ang="0">
+                  <a:pos x="connsiteX0" y="connsiteY0"/>
+                </a:cxn>
+                <a:cxn ang="0">
+                  <a:pos x="connsiteX1" y="connsiteY1"/>
+                </a:cxn>
+                <a:cxn ang="0">
+                  <a:pos x="connsiteX2" y="connsiteY2"/>
+                </a:cxn>
+              </a:cxnLst>
+              <a:rect l="l" t="t" r="r" b="b"/>
+              <a:pathLst>
+                <a:path w="479425" h="361950">
+                  <a:moveTo>
+                    <a:pt x="0" y="355600"/>
+                  </a:moveTo>
+                  <a:lnTo>
+                    <a:pt x="241300" y="0"/>
+                  </a:lnTo>
+                  <a:lnTo>
+                    <a:pt x="479425" y="361950"/>
+                  </a:lnTo>
+                </a:path>
+              </a:pathLst>
+            </a:custGeom>
+            <a:noFill/>
+            <a:ln w="28575">
+              <a:solidFill>
+                <a:schemeClr val="tx1"/>
+              </a:solidFill>
+            </a:ln>
+            <a:effectLst/>
+          </p:spPr>
+          <p:style>
+            <a:lnRef idx="1">
+              <a:schemeClr val="accent4"/>
+            </a:lnRef>
+            <a:fillRef idx="2">
+              <a:schemeClr val="accent4"/>
+            </a:fillRef>
+            <a:effectRef idx="1">
+              <a:schemeClr val="accent4"/>
+            </a:effectRef>
+            <a:fontRef idx="minor">
+              <a:schemeClr val="dk1"/>
+            </a:fontRef>
+          </p:style>
+          <p:txBody>
+            <a:bodyPr rtlCol="0" anchor="ctr"/>
+            <a:lstStyle/>
+            <a:p>
+              <a:pPr algn="ctr"/>
+              <a:endParaRPr lang="en-SG"/>
+            </a:p>
+          </p:txBody>
+        </p:sp>
+        <p:cxnSp>
+          <p:nvCxnSpPr>
+            <p:cNvPr id="32" name="Straight Connector 31"/>
+            <p:cNvCxnSpPr/>
+            <p:nvPr/>
+          </p:nvCxnSpPr>
+          <p:spPr>
+            <a:xfrm>
+              <a:off x="3239901" y="4509120"/>
+              <a:ext cx="648072" cy="0"/>
+            </a:xfrm>
+            <a:prstGeom prst="line">
+              <a:avLst/>
+            </a:prstGeom>
+            <a:ln w="28575">
+              <a:solidFill>
+                <a:schemeClr val="tx1"/>
+              </a:solidFill>
+            </a:ln>
+            <a:effectLst/>
+          </p:spPr>
+          <p:style>
+            <a:lnRef idx="1">
+              <a:schemeClr val="accent4"/>
+            </a:lnRef>
+            <a:fillRef idx="2">
+              <a:schemeClr val="accent4"/>
+            </a:fillRef>
+            <a:effectRef idx="1">
+              <a:schemeClr val="accent4"/>
+            </a:effectRef>
+            <a:fontRef idx="minor">
+              <a:schemeClr val="dk1"/>
+            </a:fontRef>
+          </p:style>
+        </p:cxnSp>
+      </p:grpSp>
+      <p:sp>
+        <p:nvSpPr>
+          <p:cNvPr id="7" name="Rectangle 62"/>
+          <p:cNvSpPr/>
+          <p:nvPr/>
+        </p:nvSpPr>
+        <p:spPr>
+          <a:xfrm>
+            <a:off x="3411782" y="2059412"/>
+            <a:ext cx="1093634" cy="346760"/>
+          </a:xfrm>
+          <a:prstGeom prst="rect">
+            <a:avLst/>
+          </a:prstGeom>
+          <a:solidFill>
+            <a:srgbClr val="0070C0"/>
+          </a:solidFill>
+          <a:ln w="19050">
+            <a:solidFill>
+              <a:srgbClr val="0070C0"/>
+            </a:solidFill>
+          </a:ln>
+          <a:effectLst/>
+        </p:spPr>
+        <p:style>
+          <a:lnRef idx="1">
+            <a:schemeClr val="accent2"/>
+          </a:lnRef>
+          <a:fillRef idx="2">
+            <a:schemeClr val="accent2"/>
+          </a:fillRef>
+          <a:effectRef idx="1">
+            <a:schemeClr val="accent2"/>
+          </a:effectRef>
+          <a:fontRef idx="minor">
+            <a:schemeClr val="dk1"/>
+          </a:fontRef>
+        </p:style>
+        <p:txBody>
+          <a:bodyPr rtlCol="0" anchor="ctr"/>
+          <a:lstStyle/>
+          <a:p>
+            <a:pPr algn="ctr"/>
+            <a:r>
+              <a:rPr lang="en-US" sz="1200" dirty="0" smtClean="0">
+                <a:solidFill>
+                  <a:schemeClr val="bg1"/>
+                </a:solidFill>
+              </a:rPr>
+              <a:t>:Logic</a:t>
+            </a:r>
+            <a:endParaRPr lang="en-SG" sz="1200" dirty="0">
+              <a:solidFill>
+                <a:schemeClr val="bg1"/>
+              </a:solidFill>
+            </a:endParaRPr>
+          </a:p>
+        </p:txBody>
+      </p:sp>
+      <p:sp>
+        <p:nvSpPr>
+          <p:cNvPr id="9" name="Rectangle 8"/>
+          <p:cNvSpPr/>
+          <p:nvPr/>
+        </p:nvSpPr>
+        <p:spPr>
+          <a:xfrm>
+            <a:off x="3886591" y="2881277"/>
+            <a:ext cx="144016" cy="908725"/>
+          </a:xfrm>
+          <a:prstGeom prst="rect">
+            <a:avLst/>
+          </a:prstGeom>
+          <a:solidFill>
+            <a:srgbClr val="0070C0"/>
+          </a:solidFill>
+          <a:ln>
+            <a:solidFill>
+              <a:srgbClr val="0070C0"/>
+            </a:solidFill>
+          </a:ln>
+          <a:effectLst/>
+        </p:spPr>
+        <p:style>
+          <a:lnRef idx="1">
+            <a:schemeClr val="accent3"/>
+          </a:lnRef>
+          <a:fillRef idx="2">
+            <a:schemeClr val="accent3"/>
+          </a:fillRef>
+          <a:effectRef idx="1">
+            <a:schemeClr val="accent3"/>
+          </a:effectRef>
+          <a:fontRef idx="minor">
+            <a:schemeClr val="dk1"/>
+          </a:fontRef>
+        </p:style>
+        <p:txBody>
+          <a:bodyPr rtlCol="0" anchor="ctr"/>
+          <a:lstStyle/>
+          <a:p>
+            <a:pPr algn="ctr"/>
+            <a:endParaRPr lang="en-SG" sz="1400">
+              <a:solidFill>
+                <a:schemeClr val="dk1"/>
+              </a:solidFill>
+            </a:endParaRPr>
+          </a:p>
+        </p:txBody>
+      </p:sp>
+      <p:sp>
+        <p:nvSpPr>
+          <p:cNvPr id="10" name="Rectangle 62"/>
+          <p:cNvSpPr/>
+          <p:nvPr/>
+        </p:nvSpPr>
+        <p:spPr>
+          <a:xfrm>
+            <a:off x="5392982" y="2055725"/>
+            <a:ext cx="1093634" cy="346760"/>
+          </a:xfrm>
+          <a:prstGeom prst="rect">
+            <a:avLst/>
+          </a:prstGeom>
+          <a:solidFill>
+            <a:srgbClr val="7030A0"/>
+          </a:solidFill>
+          <a:ln w="19050">
+            <a:solidFill>
+              <a:srgbClr val="7030A0"/>
+            </a:solidFill>
+          </a:ln>
+          <a:effectLst/>
+        </p:spPr>
+        <p:style>
+          <a:lnRef idx="1">
+            <a:schemeClr val="accent2"/>
+          </a:lnRef>
+          <a:fillRef idx="2">
+            <a:schemeClr val="accent2"/>
+          </a:fillRef>
+          <a:effectRef idx="1">
+            <a:schemeClr val="accent2"/>
+          </a:effectRef>
+          <a:fontRef idx="minor">
+            <a:schemeClr val="dk1"/>
+          </a:fontRef>
+        </p:style>
+        <p:txBody>
+          <a:bodyPr rtlCol="0" anchor="ctr"/>
+          <a:lstStyle/>
+          <a:p>
+            <a:pPr algn="ctr"/>
+            <a:r>
+              <a:rPr lang="en-US" sz="1200" dirty="0" smtClean="0">
+                <a:solidFill>
+                  <a:schemeClr val="bg1"/>
+                </a:solidFill>
+              </a:rPr>
+              <a:t>:Model</a:t>
+            </a:r>
+            <a:endParaRPr lang="en-SG" sz="1200" dirty="0">
+              <a:solidFill>
+                <a:schemeClr val="bg1"/>
+              </a:solidFill>
+            </a:endParaRPr>
+          </a:p>
+        </p:txBody>
+      </p:sp>
+      <p:cxnSp>
+        <p:nvCxnSpPr>
+          <p:cNvPr id="11" name="Straight Connector 10"/>
+          <p:cNvCxnSpPr/>
+          <p:nvPr/>
+        </p:nvCxnSpPr>
+        <p:spPr>
+          <a:xfrm>
+            <a:off x="5939799" y="2419397"/>
+            <a:ext cx="0" cy="1723058"/>
+          </a:xfrm>
+          <a:prstGeom prst="line">
+            <a:avLst/>
+          </a:prstGeom>
+          <a:ln w="19050">
+            <a:solidFill>
+              <a:srgbClr val="7030A0"/>
+            </a:solidFill>
+            <a:prstDash val="sysDash"/>
+          </a:ln>
+          <a:effectLst/>
+        </p:spPr>
+        <p:style>
+          <a:lnRef idx="1">
+            <a:schemeClr val="accent1"/>
+          </a:lnRef>
+          <a:fillRef idx="2">
+            <a:schemeClr val="accent1"/>
+          </a:fillRef>
+          <a:effectRef idx="1">
+            <a:schemeClr val="accent1"/>
+          </a:effectRef>
+          <a:fontRef idx="minor">
+            <a:schemeClr val="dk1"/>
+          </a:fontRef>
+        </p:style>
+      </p:cxnSp>
+      <p:sp>
+        <p:nvSpPr>
+          <p:cNvPr id="12" name="Rectangle 11"/>
+          <p:cNvSpPr/>
+          <p:nvPr/>
+        </p:nvSpPr>
+        <p:spPr>
+          <a:xfrm>
+            <a:off x="5867790" y="2986208"/>
+            <a:ext cx="135061" cy="727593"/>
+          </a:xfrm>
+          <a:prstGeom prst="rect">
+            <a:avLst/>
+          </a:prstGeom>
+          <a:solidFill>
+            <a:srgbClr val="7030A0"/>
+          </a:solidFill>
+          <a:ln>
+            <a:solidFill>
+              <a:srgbClr val="7030A0"/>
+            </a:solidFill>
+          </a:ln>
+          <a:effectLst/>
+        </p:spPr>
+        <p:style>
+          <a:lnRef idx="1">
+            <a:schemeClr val="accent3"/>
+          </a:lnRef>
+          <a:fillRef idx="2">
+            <a:schemeClr val="accent3"/>
+          </a:fillRef>
+          <a:effectRef idx="1">
+            <a:schemeClr val="accent3"/>
+          </a:effectRef>
+          <a:fontRef idx="minor">
+            <a:schemeClr val="dk1"/>
+          </a:fontRef>
+        </p:style>
+        <p:txBody>
+          <a:bodyPr rtlCol="0" anchor="ctr"/>
+          <a:lstStyle/>
+          <a:p>
+            <a:pPr algn="ctr"/>
+            <a:endParaRPr lang="en-SG" sz="1400">
+              <a:solidFill>
+                <a:schemeClr val="dk1"/>
+              </a:solidFill>
+            </a:endParaRPr>
+          </a:p>
+        </p:txBody>
+      </p:sp>
+      <p:cxnSp>
+        <p:nvCxnSpPr>
+          <p:cNvPr id="13" name="Straight Arrow Connector 12"/>
+          <p:cNvCxnSpPr/>
+          <p:nvPr/>
+        </p:nvCxnSpPr>
+        <p:spPr>
+          <a:xfrm>
+            <a:off x="390594" y="2770092"/>
+            <a:ext cx="1431835" cy="0"/>
+          </a:xfrm>
+          <a:prstGeom prst="straightConnector1">
+            <a:avLst/>
+          </a:prstGeom>
+          <a:ln w="19050">
+            <a:solidFill>
+              <a:schemeClr val="tx1"/>
+            </a:solidFill>
+            <a:tailEnd type="arrow"/>
+          </a:ln>
+        </p:spPr>
+        <p:style>
+          <a:lnRef idx="1">
+            <a:schemeClr val="accent1"/>
+          </a:lnRef>
+          <a:fillRef idx="0">
+            <a:schemeClr val="accent1"/>
+          </a:fillRef>
+          <a:effectRef idx="0">
+            <a:schemeClr val="accent1"/>
+          </a:effectRef>
+          <a:fontRef idx="minor">
+            <a:schemeClr val="tx1"/>
+          </a:fontRef>
+        </p:style>
+      </p:cxnSp>
+      <p:sp>
+        <p:nvSpPr>
+          <p:cNvPr id="14" name="TextBox 13"/>
+          <p:cNvSpPr txBox="1"/>
+          <p:nvPr/>
+        </p:nvSpPr>
+        <p:spPr>
+          <a:xfrm>
+            <a:off x="930851" y="2859608"/>
+            <a:ext cx="1225339" cy="184666"/>
+          </a:xfrm>
+          <a:prstGeom prst="rect">
+            <a:avLst/>
+          </a:prstGeom>
+          <a:noFill/>
+        </p:spPr>
+        <p:txBody>
+          <a:bodyPr wrap="square" lIns="0" tIns="0" rIns="0" bIns="0" rtlCol="0">
+            <a:spAutoFit/>
+          </a:bodyPr>
+          <a:lstStyle/>
+          <a:p>
+            <a:r>
+              <a:rPr lang="en-US" sz="1200" dirty="0" smtClean="0"/>
+              <a:t>theme light</a:t>
+            </a:r>
+            <a:endParaRPr lang="en-US" sz="1200" dirty="0"/>
+          </a:p>
+        </p:txBody>
+      </p:sp>
+      <p:cxnSp>
+        <p:nvCxnSpPr>
+          <p:cNvPr id="15" name="Straight Arrow Connector 14"/>
+          <p:cNvCxnSpPr/>
+          <p:nvPr/>
+        </p:nvCxnSpPr>
+        <p:spPr>
+          <a:xfrm>
+            <a:off x="1969805" y="2881277"/>
+            <a:ext cx="1916786" cy="1"/>
+          </a:xfrm>
+          <a:prstGeom prst="straightConnector1">
+            <a:avLst/>
+          </a:prstGeom>
+          <a:ln w="19050">
+            <a:solidFill>
+              <a:srgbClr val="00B050"/>
+            </a:solidFill>
+            <a:tailEnd type="arrow"/>
+          </a:ln>
+        </p:spPr>
+        <p:style>
+          <a:lnRef idx="1">
+            <a:schemeClr val="accent1"/>
+          </a:lnRef>
+          <a:fillRef idx="0">
+            <a:schemeClr val="accent1"/>
+          </a:fillRef>
+          <a:effectRef idx="0">
+            <a:schemeClr val="accent1"/>
+          </a:effectRef>
+          <a:fontRef idx="minor">
+            <a:schemeClr val="tx1"/>
+          </a:fontRef>
+        </p:style>
+      </p:cxnSp>
+      <p:sp>
+        <p:nvSpPr>
+          <p:cNvPr id="16" name="TextBox 15"/>
+          <p:cNvSpPr txBox="1"/>
+          <p:nvPr/>
+        </p:nvSpPr>
+        <p:spPr>
+          <a:xfrm>
+            <a:off x="3104655" y="2998809"/>
+            <a:ext cx="966740" cy="184666"/>
+          </a:xfrm>
+          <a:prstGeom prst="rect">
+            <a:avLst/>
+          </a:prstGeom>
+          <a:noFill/>
+        </p:spPr>
+        <p:txBody>
+          <a:bodyPr wrap="square" lIns="0" tIns="0" rIns="0" bIns="0" rtlCol="0">
+            <a:spAutoFit/>
+          </a:bodyPr>
+          <a:lstStyle/>
+          <a:p>
+            <a:r>
+              <a:rPr lang="en-US" sz="1200" dirty="0" smtClean="0">
+                <a:solidFill>
+                  <a:srgbClr val="0070C0"/>
+                </a:solidFill>
+              </a:rPr>
+              <a:t>execute()</a:t>
+            </a:r>
+            <a:endParaRPr lang="en-US" sz="1200" dirty="0">
+              <a:solidFill>
+                <a:srgbClr val="0070C0"/>
+              </a:solidFill>
+            </a:endParaRPr>
+          </a:p>
+        </p:txBody>
+      </p:sp>
+      <p:cxnSp>
+        <p:nvCxnSpPr>
+          <p:cNvPr id="17" name="Straight Arrow Connector 16"/>
+          <p:cNvCxnSpPr/>
+          <p:nvPr/>
+        </p:nvCxnSpPr>
+        <p:spPr>
+          <a:xfrm>
+            <a:off x="4030607" y="2986209"/>
+            <a:ext cx="1837184" cy="0"/>
+          </a:xfrm>
+          <a:prstGeom prst="straightConnector1">
+            <a:avLst/>
+          </a:prstGeom>
+          <a:ln w="19050">
+            <a:solidFill>
+              <a:srgbClr val="0070C0"/>
+            </a:solidFill>
+            <a:tailEnd type="arrow"/>
+          </a:ln>
+        </p:spPr>
+        <p:style>
+          <a:lnRef idx="1">
+            <a:schemeClr val="accent1"/>
+          </a:lnRef>
+          <a:fillRef idx="0">
+            <a:schemeClr val="accent1"/>
+          </a:fillRef>
+          <a:effectRef idx="0">
+            <a:schemeClr val="accent1"/>
+          </a:effectRef>
+          <a:fontRef idx="minor">
+            <a:schemeClr val="tx1"/>
+          </a:fontRef>
+        </p:style>
+      </p:cxnSp>
+      <p:sp>
+        <p:nvSpPr>
+          <p:cNvPr id="18" name="TextBox 17"/>
+          <p:cNvSpPr txBox="1"/>
+          <p:nvPr/>
+        </p:nvSpPr>
+        <p:spPr>
+          <a:xfrm>
+            <a:off x="4244646" y="3079349"/>
+            <a:ext cx="1706496" cy="184666"/>
+          </a:xfrm>
+          <a:prstGeom prst="rect">
+            <a:avLst/>
+          </a:prstGeom>
+          <a:noFill/>
+        </p:spPr>
+        <p:txBody>
+          <a:bodyPr wrap="square" lIns="0" tIns="0" rIns="0" bIns="0" rtlCol="0">
+            <a:spAutoFit/>
+          </a:bodyPr>
+          <a:lstStyle/>
+          <a:p>
+            <a:r>
+              <a:rPr lang="en-US" sz="1200" dirty="0" err="1" smtClean="0">
+                <a:solidFill>
+                  <a:srgbClr val="7030A0"/>
+                </a:solidFill>
+              </a:rPr>
+              <a:t>Theme.setTheme</a:t>
+            </a:r>
+            <a:r>
+              <a:rPr lang="en-US" sz="1200" dirty="0" smtClean="0">
+                <a:solidFill>
+                  <a:srgbClr val="7030A0"/>
+                </a:solidFill>
+              </a:rPr>
+              <a:t>(light)</a:t>
+            </a:r>
+            <a:endParaRPr lang="en-US" sz="1200" dirty="0">
+              <a:solidFill>
+                <a:srgbClr val="7030A0"/>
+              </a:solidFill>
+            </a:endParaRPr>
+          </a:p>
+        </p:txBody>
+      </p:sp>
+      <p:sp>
+        <p:nvSpPr>
+          <p:cNvPr id="19" name="TextBox 18"/>
+          <p:cNvSpPr txBox="1"/>
+          <p:nvPr/>
+        </p:nvSpPr>
+        <p:spPr>
+          <a:xfrm>
+            <a:off x="6486616" y="3057326"/>
+            <a:ext cx="2314054" cy="184666"/>
+          </a:xfrm>
+          <a:prstGeom prst="rect">
+            <a:avLst/>
+          </a:prstGeom>
+          <a:noFill/>
+        </p:spPr>
+        <p:txBody>
+          <a:bodyPr wrap="square" lIns="0" tIns="0" rIns="0" bIns="0" rtlCol="0">
+            <a:spAutoFit/>
+          </a:bodyPr>
+          <a:lstStyle/>
+          <a:p>
+            <a:r>
+              <a:rPr lang="en-US" sz="1200" dirty="0" smtClean="0">
+                <a:solidFill>
+                  <a:schemeClr val="accent5">
+                    <a:lumMod val="75000"/>
+                  </a:schemeClr>
+                </a:solidFill>
+              </a:rPr>
+              <a:t>post(</a:t>
+            </a:r>
+            <a:r>
+              <a:rPr lang="en-US" sz="1200" dirty="0" err="1" smtClean="0">
+                <a:solidFill>
+                  <a:schemeClr val="accent5">
+                    <a:lumMod val="75000"/>
+                  </a:schemeClr>
+                </a:solidFill>
+              </a:rPr>
+              <a:t>ChangeThemeEvent</a:t>
+            </a:r>
+            <a:r>
+              <a:rPr lang="en-US" sz="1200" dirty="0" smtClean="0">
+                <a:solidFill>
+                  <a:schemeClr val="accent5">
+                    <a:lumMod val="75000"/>
+                  </a:schemeClr>
+                </a:solidFill>
+              </a:rPr>
+              <a:t>)</a:t>
+            </a:r>
+            <a:endParaRPr lang="en-US" sz="1200" dirty="0">
+              <a:solidFill>
+                <a:schemeClr val="accent5">
+                  <a:lumMod val="75000"/>
+                </a:schemeClr>
+              </a:solidFill>
+            </a:endParaRPr>
+          </a:p>
+        </p:txBody>
+      </p:sp>
+      <p:cxnSp>
+        <p:nvCxnSpPr>
+          <p:cNvPr id="20" name="Straight Arrow Connector 19"/>
+          <p:cNvCxnSpPr/>
+          <p:nvPr/>
+        </p:nvCxnSpPr>
+        <p:spPr>
+          <a:xfrm>
+            <a:off x="4030607" y="3711788"/>
+            <a:ext cx="1837184" cy="0"/>
+          </a:xfrm>
+          <a:prstGeom prst="straightConnector1">
+            <a:avLst/>
+          </a:prstGeom>
+          <a:ln w="19050">
+            <a:solidFill>
+              <a:srgbClr val="7030A0"/>
+            </a:solidFill>
+            <a:prstDash val="sysDash"/>
+            <a:headEnd type="arrow" w="med" len="med"/>
+            <a:tailEnd type="none" w="med" len="med"/>
+          </a:ln>
+        </p:spPr>
+        <p:style>
+          <a:lnRef idx="1">
+            <a:schemeClr val="accent1"/>
+          </a:lnRef>
+          <a:fillRef idx="0">
+            <a:schemeClr val="accent1"/>
+          </a:fillRef>
+          <a:effectRef idx="0">
+            <a:schemeClr val="accent1"/>
+          </a:effectRef>
+          <a:fontRef idx="minor">
+            <a:schemeClr val="tx1"/>
+          </a:fontRef>
+        </p:style>
+      </p:cxnSp>
+      <p:cxnSp>
+        <p:nvCxnSpPr>
+          <p:cNvPr id="21" name="Straight Arrow Connector 20"/>
+          <p:cNvCxnSpPr/>
+          <p:nvPr/>
+        </p:nvCxnSpPr>
+        <p:spPr>
+          <a:xfrm>
+            <a:off x="1969805" y="3790001"/>
+            <a:ext cx="1898558" cy="0"/>
+          </a:xfrm>
+          <a:prstGeom prst="straightConnector1">
+            <a:avLst/>
+          </a:prstGeom>
+          <a:ln w="19050">
+            <a:solidFill>
+              <a:srgbClr val="0070C0"/>
+            </a:solidFill>
+            <a:prstDash val="sysDash"/>
+            <a:headEnd type="arrow" w="med" len="med"/>
+            <a:tailEnd type="none" w="med" len="med"/>
+          </a:ln>
+        </p:spPr>
+        <p:style>
+          <a:lnRef idx="1">
+            <a:schemeClr val="accent1"/>
+          </a:lnRef>
+          <a:fillRef idx="0">
+            <a:schemeClr val="accent1"/>
+          </a:fillRef>
+          <a:effectRef idx="0">
+            <a:schemeClr val="accent1"/>
+          </a:effectRef>
+          <a:fontRef idx="minor">
+            <a:schemeClr val="tx1"/>
+          </a:fontRef>
+        </p:style>
+      </p:cxnSp>
+      <p:cxnSp>
+        <p:nvCxnSpPr>
+          <p:cNvPr id="22" name="Straight Arrow Connector 21"/>
+          <p:cNvCxnSpPr/>
+          <p:nvPr/>
+        </p:nvCxnSpPr>
+        <p:spPr>
+          <a:xfrm>
+            <a:off x="390594" y="4648200"/>
+            <a:ext cx="1505524" cy="0"/>
+          </a:xfrm>
+          <a:prstGeom prst="straightConnector1">
+            <a:avLst/>
+          </a:prstGeom>
+          <a:ln w="19050">
+            <a:solidFill>
+              <a:srgbClr val="00B050"/>
+            </a:solidFill>
+            <a:prstDash val="sysDash"/>
+            <a:headEnd type="arrow" w="med" len="med"/>
+            <a:tailEnd type="none" w="med" len="med"/>
+          </a:ln>
+        </p:spPr>
+        <p:style>
+          <a:lnRef idx="1">
+            <a:schemeClr val="accent1"/>
+          </a:lnRef>
+          <a:fillRef idx="0">
+            <a:schemeClr val="accent1"/>
+          </a:fillRef>
+          <a:effectRef idx="0">
+            <a:schemeClr val="accent1"/>
+          </a:effectRef>
+          <a:fontRef idx="minor">
+            <a:schemeClr val="tx1"/>
+          </a:fontRef>
+        </p:style>
+      </p:cxnSp>
+      <p:sp>
+        <p:nvSpPr>
+          <p:cNvPr id="23" name="Rectangle 62"/>
+          <p:cNvSpPr/>
+          <p:nvPr/>
+        </p:nvSpPr>
+        <p:spPr>
+          <a:xfrm>
+            <a:off x="7616706" y="2045345"/>
+            <a:ext cx="1371600" cy="346760"/>
+          </a:xfrm>
+          <a:prstGeom prst="rect">
+            <a:avLst/>
+          </a:prstGeom>
+          <a:solidFill>
+            <a:schemeClr val="accent5">
+              <a:lumMod val="75000"/>
+            </a:schemeClr>
+          </a:solidFill>
+          <a:ln w="19050">
+            <a:solidFill>
+              <a:schemeClr val="accent5">
+                <a:lumMod val="75000"/>
+              </a:schemeClr>
+            </a:solidFill>
+          </a:ln>
+          <a:effectLst/>
+        </p:spPr>
+        <p:style>
+          <a:lnRef idx="1">
+            <a:schemeClr val="accent2"/>
+          </a:lnRef>
+          <a:fillRef idx="2">
+            <a:schemeClr val="accent2"/>
+          </a:fillRef>
+          <a:effectRef idx="1">
+            <a:schemeClr val="accent2"/>
+          </a:effectRef>
+          <a:fontRef idx="minor">
+            <a:schemeClr val="dk1"/>
+          </a:fontRef>
+        </p:style>
+        <p:txBody>
+          <a:bodyPr rtlCol="0" anchor="ctr"/>
+          <a:lstStyle/>
+          <a:p>
+            <a:pPr algn="ctr"/>
+            <a:r>
+              <a:rPr lang="en-US" sz="1200" dirty="0" smtClean="0">
+                <a:solidFill>
+                  <a:schemeClr val="bg1"/>
+                </a:solidFill>
+              </a:rPr>
+              <a:t>:</a:t>
+            </a:r>
+            <a:r>
+              <a:rPr lang="en-US" sz="1200" dirty="0" err="1" smtClean="0">
+                <a:solidFill>
+                  <a:schemeClr val="bg1"/>
+                </a:solidFill>
+              </a:rPr>
+              <a:t>EventsCenter</a:t>
+            </a:r>
+            <a:endParaRPr lang="en-SG" sz="1200" dirty="0">
+              <a:solidFill>
+                <a:schemeClr val="bg1"/>
+              </a:solidFill>
+            </a:endParaRPr>
+          </a:p>
+        </p:txBody>
+      </p:sp>
+      <p:cxnSp>
+        <p:nvCxnSpPr>
+          <p:cNvPr id="24" name="Straight Connector 23"/>
+          <p:cNvCxnSpPr/>
+          <p:nvPr/>
+        </p:nvCxnSpPr>
+        <p:spPr>
+          <a:xfrm>
+            <a:off x="8458199" y="2402486"/>
+            <a:ext cx="0" cy="1723058"/>
+          </a:xfrm>
+          <a:prstGeom prst="line">
+            <a:avLst/>
+          </a:prstGeom>
+          <a:ln w="19050">
+            <a:solidFill>
+              <a:schemeClr val="accent5">
+                <a:lumMod val="75000"/>
+              </a:schemeClr>
+            </a:solidFill>
+            <a:prstDash val="sysDash"/>
+          </a:ln>
+          <a:effectLst/>
+        </p:spPr>
+        <p:style>
+          <a:lnRef idx="1">
+            <a:schemeClr val="accent1"/>
+          </a:lnRef>
+          <a:fillRef idx="2">
+            <a:schemeClr val="accent1"/>
+          </a:fillRef>
+          <a:effectRef idx="1">
+            <a:schemeClr val="accent1"/>
+          </a:effectRef>
+          <a:fontRef idx="minor">
+            <a:schemeClr val="dk1"/>
+          </a:fontRef>
+        </p:style>
+      </p:cxnSp>
+      <p:sp>
+        <p:nvSpPr>
+          <p:cNvPr id="25" name="Rectangle 24"/>
+          <p:cNvSpPr/>
+          <p:nvPr/>
+        </p:nvSpPr>
+        <p:spPr>
+          <a:xfrm>
+            <a:off x="8368516" y="3406604"/>
+            <a:ext cx="179365" cy="230997"/>
+          </a:xfrm>
+          <a:prstGeom prst="rect">
+            <a:avLst/>
+          </a:prstGeom>
+          <a:solidFill>
+            <a:schemeClr val="accent5">
+              <a:lumMod val="75000"/>
+            </a:schemeClr>
+          </a:solidFill>
+          <a:ln>
+            <a:solidFill>
+              <a:schemeClr val="accent5">
+                <a:lumMod val="75000"/>
+              </a:schemeClr>
+            </a:solidFill>
+          </a:ln>
+          <a:effectLst/>
+        </p:spPr>
+        <p:style>
+          <a:lnRef idx="1">
+            <a:schemeClr val="accent3"/>
+          </a:lnRef>
+          <a:fillRef idx="2">
+            <a:schemeClr val="accent3"/>
+          </a:fillRef>
+          <a:effectRef idx="1">
+            <a:schemeClr val="accent3"/>
+          </a:effectRef>
+          <a:fontRef idx="minor">
+            <a:schemeClr val="dk1"/>
+          </a:fontRef>
+        </p:style>
+        <p:txBody>
+          <a:bodyPr rtlCol="0" anchor="ctr"/>
+          <a:lstStyle/>
+          <a:p>
+            <a:pPr algn="ctr"/>
+            <a:endParaRPr lang="en-SG" sz="1400">
+              <a:solidFill>
+                <a:schemeClr val="dk1"/>
+              </a:solidFill>
+            </a:endParaRPr>
+          </a:p>
+        </p:txBody>
+      </p:sp>
+      <p:cxnSp>
+        <p:nvCxnSpPr>
+          <p:cNvPr id="26" name="Straight Arrow Connector 25"/>
+          <p:cNvCxnSpPr/>
+          <p:nvPr/>
+        </p:nvCxnSpPr>
+        <p:spPr>
+          <a:xfrm flipV="1">
+            <a:off x="6020190" y="3406604"/>
+            <a:ext cx="2348326" cy="2397"/>
+          </a:xfrm>
+          <a:prstGeom prst="straightConnector1">
+            <a:avLst/>
+          </a:prstGeom>
+          <a:ln w="19050">
+            <a:solidFill>
+              <a:srgbClr val="7030A0"/>
+            </a:solidFill>
+            <a:tailEnd type="arrow"/>
+          </a:ln>
+        </p:spPr>
+        <p:style>
+          <a:lnRef idx="1">
+            <a:schemeClr val="accent1"/>
+          </a:lnRef>
+          <a:fillRef idx="0">
+            <a:schemeClr val="accent1"/>
+          </a:fillRef>
+          <a:effectRef idx="0">
+            <a:schemeClr val="accent1"/>
+          </a:effectRef>
+          <a:fontRef idx="minor">
+            <a:schemeClr val="tx1"/>
+          </a:fontRef>
+        </p:style>
+      </p:cxnSp>
+      <p:cxnSp>
+        <p:nvCxnSpPr>
+          <p:cNvPr id="27" name="Straight Arrow Connector 26"/>
+          <p:cNvCxnSpPr/>
+          <p:nvPr/>
+        </p:nvCxnSpPr>
+        <p:spPr>
+          <a:xfrm>
+            <a:off x="6020190" y="3637601"/>
+            <a:ext cx="2438009" cy="0"/>
+          </a:xfrm>
+          <a:prstGeom prst="straightConnector1">
+            <a:avLst/>
+          </a:prstGeom>
+          <a:ln w="19050">
+            <a:solidFill>
+              <a:schemeClr val="accent5">
+                <a:lumMod val="75000"/>
+              </a:schemeClr>
+            </a:solidFill>
+            <a:prstDash val="sysDash"/>
+            <a:headEnd type="arrow" w="med" len="med"/>
+            <a:tailEnd type="none" w="med" len="med"/>
+          </a:ln>
+        </p:spPr>
+        <p:style>
+          <a:lnRef idx="1">
+            <a:schemeClr val="accent1"/>
+          </a:lnRef>
+          <a:fillRef idx="0">
+            <a:schemeClr val="accent1"/>
+          </a:fillRef>
+          <a:effectRef idx="0">
+            <a:schemeClr val="accent1"/>
+          </a:effectRef>
+          <a:fontRef idx="minor">
+            <a:schemeClr val="tx1"/>
+          </a:fontRef>
+        </p:style>
+      </p:cxnSp>
+      <p:sp>
+        <p:nvSpPr>
+          <p:cNvPr id="33" name="Rectangle 32"/>
+          <p:cNvSpPr/>
+          <p:nvPr/>
+        </p:nvSpPr>
+        <p:spPr>
+          <a:xfrm>
+            <a:off x="5867400" y="4131600"/>
+            <a:ext cx="135061" cy="288000"/>
+          </a:xfrm>
+          <a:prstGeom prst="rect">
+            <a:avLst/>
+          </a:prstGeom>
+          <a:solidFill>
+            <a:srgbClr val="7030A0"/>
+          </a:solidFill>
+          <a:ln>
+            <a:solidFill>
+              <a:srgbClr val="7030A0"/>
+            </a:solidFill>
+          </a:ln>
+          <a:effectLst/>
+        </p:spPr>
+        <p:style>
+          <a:lnRef idx="1">
+            <a:schemeClr val="accent3"/>
+          </a:lnRef>
+          <a:fillRef idx="2">
+            <a:schemeClr val="accent3"/>
+          </a:fillRef>
+          <a:effectRef idx="1">
+            <a:schemeClr val="accent3"/>
+          </a:effectRef>
+          <a:fontRef idx="minor">
+            <a:schemeClr val="dk1"/>
+          </a:fontRef>
+        </p:style>
+        <p:txBody>
+          <a:bodyPr rtlCol="0" anchor="ctr"/>
+          <a:lstStyle/>
+          <a:p>
+            <a:pPr algn="ctr"/>
+            <a:endParaRPr lang="en-SG" sz="1400">
+              <a:solidFill>
+                <a:schemeClr val="dk1"/>
+              </a:solidFill>
+            </a:endParaRPr>
+          </a:p>
+        </p:txBody>
+      </p:sp>
+      <p:sp>
+        <p:nvSpPr>
+          <p:cNvPr id="34" name="Rectangle 33"/>
+          <p:cNvSpPr/>
+          <p:nvPr/>
+        </p:nvSpPr>
+        <p:spPr>
+          <a:xfrm>
+            <a:off x="5952659" y="4215120"/>
+            <a:ext cx="135061" cy="144000"/>
+          </a:xfrm>
+          <a:prstGeom prst="rect">
+            <a:avLst/>
+          </a:prstGeom>
+          <a:solidFill>
+            <a:srgbClr val="7030A0"/>
+          </a:solidFill>
+          <a:ln>
+            <a:solidFill>
+              <a:schemeClr val="bg1"/>
+            </a:solidFill>
+          </a:ln>
+          <a:effectLst/>
+        </p:spPr>
+        <p:style>
+          <a:lnRef idx="1">
+            <a:schemeClr val="accent3"/>
+          </a:lnRef>
+          <a:fillRef idx="2">
+            <a:schemeClr val="accent3"/>
+          </a:fillRef>
+          <a:effectRef idx="1">
+            <a:schemeClr val="accent3"/>
+          </a:effectRef>
+          <a:fontRef idx="minor">
+            <a:schemeClr val="dk1"/>
+          </a:fontRef>
+        </p:style>
+        <p:txBody>
+          <a:bodyPr rtlCol="0" anchor="ctr"/>
+          <a:lstStyle/>
+          <a:p>
+            <a:pPr algn="ctr"/>
+            <a:endParaRPr lang="en-SG" sz="1400" dirty="0">
+              <a:solidFill>
+                <a:schemeClr val="dk1"/>
+              </a:solidFill>
+            </a:endParaRPr>
+          </a:p>
+        </p:txBody>
+      </p:sp>
+      <p:sp>
+        <p:nvSpPr>
+          <p:cNvPr id="35" name="Freeform 34"/>
+          <p:cNvSpPr/>
+          <p:nvPr/>
+        </p:nvSpPr>
+        <p:spPr>
+          <a:xfrm rot="18999002" flipV="1">
+            <a:off x="6104994" y="4184989"/>
+            <a:ext cx="167452" cy="116880"/>
+          </a:xfrm>
+          <a:custGeom>
+            <a:avLst/>
+            <a:gdLst>
+              <a:gd name="connsiteX0" fmla="*/ 0 w 226400"/>
+              <a:gd name="connsiteY0" fmla="*/ 32920 h 171466"/>
+              <a:gd name="connsiteX1" fmla="*/ 157018 w 226400"/>
+              <a:gd name="connsiteY1" fmla="*/ 5211 h 171466"/>
+              <a:gd name="connsiteX2" fmla="*/ 221673 w 226400"/>
+              <a:gd name="connsiteY2" fmla="*/ 125284 h 171466"/>
+              <a:gd name="connsiteX3" fmla="*/ 36945 w 226400"/>
+              <a:gd name="connsiteY3" fmla="*/ 171466 h 171466"/>
+            </a:gdLst>
+            <a:ahLst/>
+            <a:cxnLst>
+              <a:cxn ang="0">
+                <a:pos x="connsiteX0" y="connsiteY0"/>
+              </a:cxn>
+              <a:cxn ang="0">
+                <a:pos x="connsiteX1" y="connsiteY1"/>
+              </a:cxn>
+              <a:cxn ang="0">
+                <a:pos x="connsiteX2" y="connsiteY2"/>
+              </a:cxn>
+              <a:cxn ang="0">
+                <a:pos x="connsiteX3" y="connsiteY3"/>
+              </a:cxn>
+            </a:cxnLst>
+            <a:rect l="l" t="t" r="r" b="b"/>
+            <a:pathLst>
+              <a:path w="226400" h="171466">
+                <a:moveTo>
+                  <a:pt x="0" y="32920"/>
+                </a:moveTo>
+                <a:cubicBezTo>
+                  <a:pt x="60036" y="11368"/>
+                  <a:pt x="120073" y="-10183"/>
+                  <a:pt x="157018" y="5211"/>
+                </a:cubicBezTo>
+                <a:cubicBezTo>
+                  <a:pt x="193963" y="20605"/>
+                  <a:pt x="241685" y="97575"/>
+                  <a:pt x="221673" y="125284"/>
+                </a:cubicBezTo>
+                <a:cubicBezTo>
+                  <a:pt x="201661" y="152993"/>
+                  <a:pt x="119303" y="162229"/>
+                  <a:pt x="36945" y="171466"/>
+                </a:cubicBezTo>
+              </a:path>
+            </a:pathLst>
+          </a:custGeom>
+          <a:ln w="19050">
+            <a:solidFill>
+              <a:srgbClr val="7030A0"/>
+            </a:solidFill>
+            <a:headEnd type="arrow" w="med" len="med"/>
+            <a:tailEnd type="none" w="med" len="med"/>
+          </a:ln>
+        </p:spPr>
+        <p:style>
+          <a:lnRef idx="1">
+            <a:schemeClr val="accent1"/>
+          </a:lnRef>
+          <a:fillRef idx="0">
+            <a:schemeClr val="accent1"/>
+          </a:fillRef>
+          <a:effectRef idx="0">
+            <a:schemeClr val="accent1"/>
+          </a:effectRef>
+          <a:fontRef idx="minor">
+            <a:schemeClr val="tx1"/>
+          </a:fontRef>
+        </p:style>
+        <p:txBody>
+          <a:bodyPr rtlCol="0" anchor="ctr"/>
+          <a:lstStyle/>
+          <a:p>
+            <a:pPr algn="ctr"/>
+            <a:endParaRPr lang="en-SG"/>
+          </a:p>
+        </p:txBody>
+      </p:sp>
+      <p:sp>
+        <p:nvSpPr>
+          <p:cNvPr id="36" name="TextBox 35"/>
+          <p:cNvSpPr txBox="1"/>
+          <p:nvPr/>
+        </p:nvSpPr>
+        <p:spPr>
+          <a:xfrm>
+            <a:off x="6352807" y="4043788"/>
+            <a:ext cx="1706496" cy="369332"/>
+          </a:xfrm>
+          <a:prstGeom prst="rect">
+            <a:avLst/>
+          </a:prstGeom>
+          <a:noFill/>
+        </p:spPr>
+        <p:txBody>
+          <a:bodyPr wrap="square" lIns="0" tIns="0" rIns="0" bIns="0" rtlCol="0">
+            <a:spAutoFit/>
+          </a:bodyPr>
+          <a:lstStyle/>
+          <a:p>
+            <a:r>
+              <a:rPr lang="en-US" sz="1200" dirty="0" err="1" smtClean="0">
+                <a:solidFill>
+                  <a:srgbClr val="7030A0"/>
+                </a:solidFill>
+              </a:rPr>
+              <a:t>Theme.change</a:t>
+            </a:r>
+            <a:endParaRPr lang="en-US" sz="1200" dirty="0" smtClean="0">
+              <a:solidFill>
+                <a:srgbClr val="7030A0"/>
+              </a:solidFill>
+            </a:endParaRPr>
+          </a:p>
+          <a:p>
+            <a:r>
+              <a:rPr lang="en-US" sz="1200" dirty="0" smtClean="0">
+                <a:solidFill>
+                  <a:srgbClr val="7030A0"/>
+                </a:solidFill>
+              </a:rPr>
+              <a:t>Theme(</a:t>
+            </a:r>
+            <a:r>
+              <a:rPr lang="en-US" sz="1200" dirty="0" err="1" smtClean="0">
+                <a:solidFill>
+                  <a:srgbClr val="7030A0"/>
+                </a:solidFill>
+              </a:rPr>
+              <a:t>primaryStage</a:t>
+            </a:r>
+            <a:r>
+              <a:rPr lang="en-US" sz="1200" dirty="0" smtClean="0">
+                <a:solidFill>
+                  <a:srgbClr val="7030A0"/>
+                </a:solidFill>
+              </a:rPr>
+              <a:t>)</a:t>
+            </a:r>
+            <a:endParaRPr lang="en-US" sz="1200" dirty="0">
+              <a:solidFill>
+                <a:srgbClr val="7030A0"/>
+              </a:solidFill>
+            </a:endParaRPr>
+          </a:p>
+        </p:txBody>
+      </p:sp>
+      <p:cxnSp>
+        <p:nvCxnSpPr>
+          <p:cNvPr id="37" name="Straight Connector 36"/>
+          <p:cNvCxnSpPr/>
+          <p:nvPr/>
+        </p:nvCxnSpPr>
+        <p:spPr>
+          <a:xfrm>
+            <a:off x="1896117" y="2373635"/>
+            <a:ext cx="0" cy="2592000"/>
+          </a:xfrm>
+          <a:prstGeom prst="line">
+            <a:avLst/>
+          </a:prstGeom>
+          <a:ln w="19050">
+            <a:solidFill>
+              <a:srgbClr val="00B050"/>
+            </a:solidFill>
+            <a:prstDash val="sysDash"/>
+          </a:ln>
+          <a:effectLst/>
+        </p:spPr>
+        <p:style>
+          <a:lnRef idx="1">
+            <a:schemeClr val="accent1"/>
+          </a:lnRef>
+          <a:fillRef idx="2">
+            <a:schemeClr val="accent1"/>
+          </a:fillRef>
+          <a:effectRef idx="1">
+            <a:schemeClr val="accent1"/>
+          </a:effectRef>
+          <a:fontRef idx="minor">
+            <a:schemeClr val="dk1"/>
+          </a:fontRef>
+        </p:style>
+      </p:cxnSp>
+      <p:cxnSp>
+        <p:nvCxnSpPr>
+          <p:cNvPr id="38" name="Straight Arrow Connector 37"/>
+          <p:cNvCxnSpPr/>
+          <p:nvPr/>
+        </p:nvCxnSpPr>
+        <p:spPr>
+          <a:xfrm>
+            <a:off x="1981200" y="4419600"/>
+            <a:ext cx="3888000" cy="0"/>
+          </a:xfrm>
+          <a:prstGeom prst="straightConnector1">
+            <a:avLst/>
+          </a:prstGeom>
+          <a:ln w="19050">
+            <a:solidFill>
+              <a:srgbClr val="7030A0"/>
+            </a:solidFill>
+            <a:prstDash val="sysDash"/>
+            <a:headEnd type="arrow" w="med" len="med"/>
+            <a:tailEnd type="none" w="med" len="med"/>
+          </a:ln>
+        </p:spPr>
+        <p:style>
+          <a:lnRef idx="1">
+            <a:schemeClr val="accent1"/>
+          </a:lnRef>
+          <a:fillRef idx="0">
+            <a:schemeClr val="accent1"/>
+          </a:fillRef>
+          <a:effectRef idx="0">
+            <a:schemeClr val="accent1"/>
+          </a:effectRef>
+          <a:fontRef idx="minor">
+            <a:schemeClr val="tx1"/>
+          </a:fontRef>
+        </p:style>
+      </p:cxnSp>
+      <p:cxnSp>
+        <p:nvCxnSpPr>
+          <p:cNvPr id="39" name="Straight Arrow Connector 38"/>
+          <p:cNvCxnSpPr/>
+          <p:nvPr/>
+        </p:nvCxnSpPr>
+        <p:spPr>
+          <a:xfrm>
+            <a:off x="1986354" y="4142455"/>
+            <a:ext cx="3888000" cy="1"/>
+          </a:xfrm>
+          <a:prstGeom prst="straightConnector1">
+            <a:avLst/>
+          </a:prstGeom>
+          <a:ln w="19050">
+            <a:solidFill>
+              <a:srgbClr val="00B050"/>
+            </a:solidFill>
+            <a:tailEnd type="arrow"/>
+          </a:ln>
+        </p:spPr>
+        <p:style>
+          <a:lnRef idx="1">
+            <a:schemeClr val="accent1"/>
+          </a:lnRef>
+          <a:fillRef idx="0">
+            <a:schemeClr val="accent1"/>
+          </a:fillRef>
+          <a:effectRef idx="0">
+            <a:schemeClr val="accent1"/>
+          </a:effectRef>
+          <a:fontRef idx="minor">
+            <a:schemeClr val="tx1"/>
+          </a:fontRef>
+        </p:style>
+      </p:cxnSp>
+      <p:cxnSp>
+        <p:nvCxnSpPr>
+          <p:cNvPr id="40" name="Straight Connector 39"/>
+          <p:cNvCxnSpPr/>
+          <p:nvPr/>
+        </p:nvCxnSpPr>
+        <p:spPr>
+          <a:xfrm flipH="1">
+            <a:off x="362486" y="2554609"/>
+            <a:ext cx="25" cy="2412000"/>
+          </a:xfrm>
+          <a:prstGeom prst="line">
+            <a:avLst/>
+          </a:prstGeom>
+          <a:ln w="19050">
+            <a:solidFill>
+              <a:schemeClr val="tx1"/>
+            </a:solidFill>
+            <a:prstDash val="sysDash"/>
+          </a:ln>
+          <a:effectLst/>
+        </p:spPr>
+        <p:style>
+          <a:lnRef idx="1">
+            <a:schemeClr val="accent1"/>
+          </a:lnRef>
+          <a:fillRef idx="2">
+            <a:schemeClr val="accent1"/>
+          </a:fillRef>
+          <a:effectRef idx="1">
+            <a:schemeClr val="accent1"/>
+          </a:effectRef>
+          <a:fontRef idx="minor">
+            <a:schemeClr val="dk1"/>
+          </a:fontRef>
+        </p:style>
+      </p:cxnSp>
+      <p:sp>
+        <p:nvSpPr>
+          <p:cNvPr id="42" name="TextBox 41"/>
+          <p:cNvSpPr txBox="1"/>
+          <p:nvPr/>
+        </p:nvSpPr>
+        <p:spPr>
+          <a:xfrm>
+            <a:off x="2998422" y="4172774"/>
+            <a:ext cx="2314054" cy="184666"/>
+          </a:xfrm>
+          <a:prstGeom prst="rect">
+            <a:avLst/>
+          </a:prstGeom>
+          <a:noFill/>
+        </p:spPr>
+        <p:txBody>
+          <a:bodyPr wrap="square" lIns="0" tIns="0" rIns="0" bIns="0" rtlCol="0">
+            <a:spAutoFit/>
+          </a:bodyPr>
+          <a:lstStyle/>
+          <a:p>
+            <a:r>
+              <a:rPr lang="en-US" sz="1200" dirty="0" err="1" smtClean="0">
+                <a:solidFill>
+                  <a:srgbClr val="00B050"/>
+                </a:solidFill>
+              </a:rPr>
+              <a:t>handleChangeThemeEvent</a:t>
+            </a:r>
+            <a:r>
+              <a:rPr lang="en-US" sz="1200" dirty="0" smtClean="0">
+                <a:solidFill>
+                  <a:srgbClr val="00B050"/>
+                </a:solidFill>
+              </a:rPr>
+              <a:t>()</a:t>
+            </a:r>
+            <a:endParaRPr lang="en-US" sz="1200" dirty="0">
+              <a:solidFill>
+                <a:srgbClr val="00B050"/>
+              </a:solidFill>
+            </a:endParaRPr>
+          </a:p>
+        </p:txBody>
+      </p:sp>
+    </p:spTree>
+    <p:extLst>
+      <p:ext uri="{BB962C8B-B14F-4D97-AF65-F5344CB8AC3E}">
+        <p14:creationId xmlns:p14="http://schemas.microsoft.com/office/powerpoint/2010/main" val="450275044"/>
+      </p:ext>
+    </p:extLst>
+  </p:cSld>
+  <p:clrMapOvr>
+    <a:masterClrMapping/>
+  </p:clrMapOvr>
+</p:sld>
+</file>
+
+<file path=ppt/slides/slide3.xml><?xml version="1.0" encoding="utf-8"?>
+<p:sld xmlns:a="http://schemas.openxmlformats.org/drawingml/2006/main" xmlns:r="http://schemas.openxmlformats.org/officeDocument/2006/relationships" xmlns:p="http://schemas.openxmlformats.org/presentationml/2006/main">
+  <p:cSld>
+    <p:spTree>
+      <p:nvGrpSpPr>
+        <p:cNvPr id="1" name=""/>
+        <p:cNvGrpSpPr/>
+        <p:nvPr/>
+      </p:nvGrpSpPr>
+      <p:grpSpPr>
+        <a:xfrm>
+          <a:off x="0" y="0"/>
+          <a:ext cx="0" cy="0"/>
+          <a:chOff x="0" y="0"/>
+          <a:chExt cx="0" cy="0"/>
+        </a:xfrm>
+      </p:grpSpPr>
+      <p:grpSp>
+        <p:nvGrpSpPr>
+          <p:cNvPr id="49" name="Group 48"/>
+          <p:cNvGrpSpPr/>
+          <p:nvPr/>
+        </p:nvGrpSpPr>
+        <p:grpSpPr>
+          <a:xfrm>
+            <a:off x="228600" y="1981200"/>
+            <a:ext cx="8759706" cy="3013285"/>
+            <a:chOff x="228600" y="1981200"/>
+            <a:chExt cx="8759706" cy="3013285"/>
           </a:xfrm>
         </p:grpSpPr>
         <p:sp>
@@ -4469,8 +6301,8 @@
           </p:nvSpPr>
           <p:spPr>
             <a:xfrm>
-              <a:off x="1346780" y="607924"/>
-              <a:ext cx="1114268" cy="346760"/>
+              <a:off x="1398040" y="2055725"/>
+              <a:ext cx="1093634" cy="346760"/>
             </a:xfrm>
             <a:prstGeom prst="rect">
               <a:avLst/>
@@ -4520,43 +6352,6 @@
             </a:p>
           </p:txBody>
         </p:sp>
-        <p:cxnSp>
-          <p:nvCxnSpPr>
-            <p:cNvPr id="4" name="Straight Connector 3"/>
-            <p:cNvCxnSpPr/>
-            <p:nvPr/>
-          </p:nvCxnSpPr>
-          <p:spPr>
-            <a:xfrm>
-              <a:off x="1854255" y="944303"/>
-              <a:ext cx="0" cy="1723059"/>
-            </a:xfrm>
-            <a:prstGeom prst="line">
-              <a:avLst/>
-            </a:prstGeom>
-            <a:ln w="19050">
-              <a:solidFill>
-                <a:srgbClr val="00B050"/>
-              </a:solidFill>
-              <a:prstDash val="sysDash"/>
-            </a:ln>
-            <a:effectLst/>
-          </p:spPr>
-          <p:style>
-            <a:lnRef idx="1">
-              <a:schemeClr val="accent1"/>
-            </a:lnRef>
-            <a:fillRef idx="2">
-              <a:schemeClr val="accent1"/>
-            </a:fillRef>
-            <a:effectRef idx="1">
-              <a:schemeClr val="accent1"/>
-            </a:effectRef>
-            <a:fontRef idx="minor">
-              <a:schemeClr val="dk1"/>
-            </a:fontRef>
-          </p:style>
-        </p:cxnSp>
         <p:sp>
           <p:nvSpPr>
             <p:cNvPr id="5" name="Rectangle 4"/>
@@ -4565,8 +6360,8 @@
           </p:nvSpPr>
           <p:spPr>
             <a:xfrm>
-              <a:off x="1779176" y="1322291"/>
-              <a:ext cx="150158" cy="1116108"/>
+              <a:off x="1822429" y="2770091"/>
+              <a:ext cx="147377" cy="136800"/>
             </a:xfrm>
             <a:prstGeom prst="rect">
               <a:avLst/>
@@ -4616,8 +6411,8 @@
           </p:nvGrpSpPr>
           <p:grpSpPr>
             <a:xfrm>
-              <a:off x="155276" y="533399"/>
-              <a:ext cx="330150" cy="573410"/>
+              <a:off x="228600" y="1981200"/>
+              <a:ext cx="324036" cy="573410"/>
               <a:chOff x="3239901" y="4149080"/>
               <a:chExt cx="648072" cy="1146820"/>
             </a:xfrm>
@@ -4674,9 +6469,7 @@
           <p:cxnSp>
             <p:nvCxnSpPr>
               <p:cNvPr id="30" name="Straight Connector 29"/>
-              <p:cNvCxnSpPr>
-                <a:stCxn id="8" idx="4"/>
-              </p:cNvCxnSpPr>
+              <p:cNvCxnSpPr/>
               <p:nvPr/>
             </p:nvCxnSpPr>
             <p:spPr>
@@ -4833,8 +6626,8 @@
           </p:nvSpPr>
           <p:spPr>
             <a:xfrm>
-              <a:off x="3398516" y="611611"/>
-              <a:ext cx="1114268" cy="346760"/>
+              <a:off x="3411782" y="2059412"/>
+              <a:ext cx="1093634" cy="346760"/>
             </a:xfrm>
             <a:prstGeom prst="rect">
               <a:avLst/>
@@ -4884,43 +6677,6 @@
             </a:p>
           </p:txBody>
         </p:sp>
-        <p:cxnSp>
-          <p:nvCxnSpPr>
-            <p:cNvPr id="8" name="Straight Connector 7"/>
-            <p:cNvCxnSpPr/>
-            <p:nvPr/>
-          </p:nvCxnSpPr>
-          <p:spPr>
-            <a:xfrm>
-              <a:off x="3955650" y="975283"/>
-              <a:ext cx="0" cy="1723059"/>
-            </a:xfrm>
-            <a:prstGeom prst="line">
-              <a:avLst/>
-            </a:prstGeom>
-            <a:ln w="19050">
-              <a:solidFill>
-                <a:srgbClr val="0070C0"/>
-              </a:solidFill>
-              <a:prstDash val="sysDash"/>
-            </a:ln>
-            <a:effectLst/>
-          </p:spPr>
-          <p:style>
-            <a:lnRef idx="1">
-              <a:schemeClr val="accent1"/>
-            </a:lnRef>
-            <a:fillRef idx="2">
-              <a:schemeClr val="accent1"/>
-            </a:fillRef>
-            <a:effectRef idx="1">
-              <a:schemeClr val="accent1"/>
-            </a:effectRef>
-            <a:fontRef idx="minor">
-              <a:schemeClr val="dk1"/>
-            </a:fontRef>
-          </p:style>
-        </p:cxnSp>
         <p:sp>
           <p:nvSpPr>
             <p:cNvPr id="9" name="Rectangle 8"/>
@@ -4929,8 +6685,8 @@
           </p:nvSpPr>
           <p:spPr>
             <a:xfrm>
-              <a:off x="3882283" y="1433476"/>
-              <a:ext cx="146733" cy="908725"/>
+              <a:off x="3886591" y="2881276"/>
+              <a:ext cx="144016" cy="126000"/>
             </a:xfrm>
             <a:prstGeom prst="rect">
               <a:avLst/>
@@ -4980,8 +6736,8 @@
           </p:nvSpPr>
           <p:spPr>
             <a:xfrm>
-              <a:off x="5417095" y="607924"/>
-              <a:ext cx="1114268" cy="346760"/>
+              <a:off x="5392982" y="2055725"/>
+              <a:ext cx="1093634" cy="346760"/>
             </a:xfrm>
             <a:prstGeom prst="rect">
               <a:avLst/>
@@ -5039,8 +6795,8 @@
           </p:nvCxnSpPr>
           <p:spPr>
             <a:xfrm>
-              <a:off x="5974229" y="971596"/>
-              <a:ext cx="0" cy="1723059"/>
+              <a:off x="5939799" y="2419397"/>
+              <a:ext cx="0" cy="2268000"/>
             </a:xfrm>
             <a:prstGeom prst="line">
               <a:avLst/>
@@ -5076,8 +6832,8 @@
           </p:nvSpPr>
           <p:spPr>
             <a:xfrm>
-              <a:off x="5900862" y="1538407"/>
-              <a:ext cx="137609" cy="727593"/>
+              <a:off x="5867790" y="2986207"/>
+              <a:ext cx="135061" cy="414000"/>
             </a:xfrm>
             <a:prstGeom prst="rect">
               <a:avLst/>
@@ -5127,8 +6883,8 @@
           </p:nvCxnSpPr>
           <p:spPr>
             <a:xfrm>
-              <a:off x="320326" y="1322291"/>
-              <a:ext cx="1458850" cy="0"/>
+              <a:off x="390594" y="2770092"/>
+              <a:ext cx="1431835" cy="0"/>
             </a:xfrm>
             <a:prstGeom prst="straightConnector1">
               <a:avLst/>
@@ -5163,8 +6919,8 @@
           </p:nvSpPr>
           <p:spPr>
             <a:xfrm>
-              <a:off x="870777" y="1411807"/>
-              <a:ext cx="1248458" cy="184666"/>
+              <a:off x="930851" y="2859608"/>
+              <a:ext cx="1225339" cy="184666"/>
             </a:xfrm>
             <a:prstGeom prst="rect">
               <a:avLst/>
@@ -5193,8 +6949,8 @@
           </p:nvCxnSpPr>
           <p:spPr>
             <a:xfrm>
-              <a:off x="1929333" y="1433476"/>
-              <a:ext cx="1952950" cy="1"/>
+              <a:off x="1969805" y="2895599"/>
+              <a:ext cx="1916786" cy="1"/>
             </a:xfrm>
             <a:prstGeom prst="straightConnector1">
               <a:avLst/>
@@ -5229,8 +6985,8 @@
           </p:nvSpPr>
           <p:spPr>
             <a:xfrm>
-              <a:off x="3085594" y="1551008"/>
-              <a:ext cx="984980" cy="184666"/>
+              <a:off x="3104655" y="2998809"/>
+              <a:ext cx="966740" cy="184666"/>
             </a:xfrm>
             <a:prstGeom prst="rect">
               <a:avLst/>
@@ -5267,8 +7023,8 @@
           </p:nvCxnSpPr>
           <p:spPr>
             <a:xfrm>
-              <a:off x="4029016" y="1538408"/>
-              <a:ext cx="1871846" cy="0"/>
+              <a:off x="4030607" y="2986209"/>
+              <a:ext cx="1837184" cy="0"/>
             </a:xfrm>
             <a:prstGeom prst="straightConnector1">
               <a:avLst/>
@@ -5303,8 +7059,8 @@
           </p:nvSpPr>
           <p:spPr>
             <a:xfrm>
-              <a:off x="4247093" y="1631549"/>
-              <a:ext cx="1738693" cy="184666"/>
+              <a:off x="4244646" y="3079349"/>
+              <a:ext cx="1706496" cy="184666"/>
             </a:xfrm>
             <a:prstGeom prst="rect">
               <a:avLst/>
@@ -5349,8 +7105,8 @@
           </p:nvSpPr>
           <p:spPr>
             <a:xfrm>
-              <a:off x="6531363" y="1609525"/>
-              <a:ext cx="2357714" cy="184666"/>
+              <a:off x="6486616" y="3057326"/>
+              <a:ext cx="2314054" cy="184666"/>
             </a:xfrm>
             <a:prstGeom prst="rect">
               <a:avLst/>
@@ -5405,92 +7161,14 @@
         </p:sp>
         <p:cxnSp>
           <p:nvCxnSpPr>
-            <p:cNvPr id="20" name="Straight Arrow Connector 19"/>
+            <p:cNvPr id="22" name="Straight Arrow Connector 21"/>
             <p:cNvCxnSpPr/>
             <p:nvPr/>
           </p:nvCxnSpPr>
           <p:spPr>
             <a:xfrm>
-              <a:off x="4029016" y="2263988"/>
-              <a:ext cx="1871846" cy="0"/>
-            </a:xfrm>
-            <a:prstGeom prst="straightConnector1">
-              <a:avLst/>
-            </a:prstGeom>
-            <a:ln w="19050">
-              <a:solidFill>
-                <a:srgbClr val="7030A0"/>
-              </a:solidFill>
-              <a:prstDash val="sysDash"/>
-              <a:headEnd type="arrow" w="med" len="med"/>
-              <a:tailEnd type="none" w="med" len="med"/>
-            </a:ln>
-          </p:spPr>
-          <p:style>
-            <a:lnRef idx="1">
-              <a:schemeClr val="accent1"/>
-            </a:lnRef>
-            <a:fillRef idx="0">
-              <a:schemeClr val="accent1"/>
-            </a:fillRef>
-            <a:effectRef idx="0">
-              <a:schemeClr val="accent1"/>
-            </a:effectRef>
-            <a:fontRef idx="minor">
-              <a:schemeClr val="tx1"/>
-            </a:fontRef>
-          </p:style>
-        </p:cxnSp>
-        <p:cxnSp>
-          <p:nvCxnSpPr>
-            <p:cNvPr id="21" name="Straight Arrow Connector 20"/>
-            <p:cNvCxnSpPr/>
-            <p:nvPr/>
-          </p:nvCxnSpPr>
-          <p:spPr>
-            <a:xfrm>
-              <a:off x="1929333" y="2342201"/>
-              <a:ext cx="1934378" cy="0"/>
-            </a:xfrm>
-            <a:prstGeom prst="straightConnector1">
-              <a:avLst/>
-            </a:prstGeom>
-            <a:ln w="19050">
-              <a:solidFill>
-                <a:srgbClr val="0070C0"/>
-              </a:solidFill>
-              <a:prstDash val="sysDash"/>
-              <a:headEnd type="arrow" w="med" len="med"/>
-              <a:tailEnd type="none" w="med" len="med"/>
-            </a:ln>
-          </p:spPr>
-          <p:style>
-            <a:lnRef idx="1">
-              <a:schemeClr val="accent1"/>
-            </a:lnRef>
-            <a:fillRef idx="0">
-              <a:schemeClr val="accent1"/>
-            </a:fillRef>
-            <a:effectRef idx="0">
-              <a:schemeClr val="accent1"/>
-            </a:effectRef>
-            <a:fontRef idx="minor">
-              <a:schemeClr val="tx1"/>
-            </a:fontRef>
-          </p:style>
-        </p:cxnSp>
-        <p:cxnSp>
-          <p:nvCxnSpPr>
-            <p:cNvPr id="22" name="Straight Arrow Connector 21"/>
-            <p:cNvCxnSpPr>
-              <a:endCxn id="4" idx="2"/>
-            </p:cNvCxnSpPr>
-            <p:nvPr/>
-          </p:nvCxnSpPr>
-          <p:spPr>
-            <a:xfrm>
-              <a:off x="320326" y="2438399"/>
-              <a:ext cx="1533929" cy="0"/>
+              <a:off x="384771" y="4807067"/>
+              <a:ext cx="1505524" cy="0"/>
             </a:xfrm>
             <a:prstGeom prst="straightConnector1">
               <a:avLst/>
@@ -5527,8 +7205,8 @@
           </p:nvSpPr>
           <p:spPr>
             <a:xfrm>
-              <a:off x="7682775" y="597544"/>
-              <a:ext cx="1397478" cy="346760"/>
+              <a:off x="7616706" y="2045345"/>
+              <a:ext cx="1371600" cy="346760"/>
             </a:xfrm>
             <a:prstGeom prst="rect">
               <a:avLst/>
@@ -5598,8 +7276,8 @@
           </p:nvCxnSpPr>
           <p:spPr>
             <a:xfrm>
-              <a:off x="8540144" y="954685"/>
-              <a:ext cx="0" cy="1723059"/>
+              <a:off x="8458199" y="2402486"/>
+              <a:ext cx="0" cy="2232000"/>
             </a:xfrm>
             <a:prstGeom prst="line">
               <a:avLst/>
@@ -5637,8 +7315,8 @@
           </p:nvSpPr>
           <p:spPr>
             <a:xfrm>
-              <a:off x="8448769" y="1958804"/>
-              <a:ext cx="182749" cy="230997"/>
+              <a:off x="8390400" y="3406603"/>
+              <a:ext cx="144000" cy="720000"/>
             </a:xfrm>
             <a:prstGeom prst="rect">
               <a:avLst/>
@@ -5692,8 +7370,8 @@
           </p:nvCxnSpPr>
           <p:spPr>
             <a:xfrm flipV="1">
-              <a:off x="6056137" y="1958804"/>
-              <a:ext cx="2392632" cy="2397"/>
+              <a:off x="6020190" y="3406604"/>
+              <a:ext cx="2376000" cy="2397"/>
             </a:xfrm>
             <a:prstGeom prst="straightConnector1">
               <a:avLst/>
@@ -5723,15 +7401,3067 @@
         <p:cxnSp>
           <p:nvCxnSpPr>
             <p:cNvPr id="27" name="Straight Arrow Connector 26"/>
-            <p:cNvCxnSpPr>
-              <a:endCxn id="28" idx="2"/>
-            </p:cNvCxnSpPr>
+            <p:cNvCxnSpPr/>
+            <p:nvPr/>
+          </p:nvCxnSpPr>
+          <p:spPr>
+            <a:xfrm rot="10800000">
+              <a:off x="1969805" y="4108248"/>
+              <a:ext cx="6408000" cy="0"/>
+            </a:xfrm>
+            <a:prstGeom prst="straightConnector1">
+              <a:avLst/>
+            </a:prstGeom>
+            <a:ln w="19050">
+              <a:solidFill>
+                <a:srgbClr val="31859C"/>
+              </a:solidFill>
+              <a:tailEnd type="arrow"/>
+            </a:ln>
+          </p:spPr>
+          <p:style>
+            <a:lnRef idx="1">
+              <a:schemeClr val="accent1"/>
+            </a:lnRef>
+            <a:fillRef idx="0">
+              <a:schemeClr val="accent1"/>
+            </a:fillRef>
+            <a:effectRef idx="0">
+              <a:schemeClr val="accent1"/>
+            </a:effectRef>
+            <a:fontRef idx="minor">
+              <a:schemeClr val="tx1"/>
+            </a:fontRef>
+          </p:style>
+        </p:cxnSp>
+        <p:cxnSp>
+          <p:nvCxnSpPr>
+            <p:cNvPr id="28" name="Straight Connector 27"/>
+            <p:cNvCxnSpPr/>
+            <p:nvPr/>
+          </p:nvCxnSpPr>
+          <p:spPr>
+            <a:xfrm flipH="1">
+              <a:off x="384771" y="2547473"/>
+              <a:ext cx="25" cy="2412000"/>
+            </a:xfrm>
+            <a:prstGeom prst="line">
+              <a:avLst/>
+            </a:prstGeom>
+            <a:ln w="19050">
+              <a:solidFill>
+                <a:schemeClr val="tx1"/>
+              </a:solidFill>
+              <a:prstDash val="sysDash"/>
+            </a:ln>
+            <a:effectLst/>
+          </p:spPr>
+          <p:style>
+            <a:lnRef idx="1">
+              <a:schemeClr val="accent1"/>
+            </a:lnRef>
+            <a:fillRef idx="2">
+              <a:schemeClr val="accent1"/>
+            </a:fillRef>
+            <a:effectRef idx="1">
+              <a:schemeClr val="accent1"/>
+            </a:effectRef>
+            <a:fontRef idx="minor">
+              <a:schemeClr val="dk1"/>
+            </a:fontRef>
+          </p:style>
+        </p:cxnSp>
+        <p:cxnSp>
+          <p:nvCxnSpPr>
+            <p:cNvPr id="33" name="Straight Connector 32"/>
+            <p:cNvCxnSpPr/>
             <p:nvPr/>
           </p:nvCxnSpPr>
           <p:spPr>
             <a:xfrm>
-              <a:off x="6056137" y="2189801"/>
-              <a:ext cx="2484007" cy="0"/>
+              <a:off x="3962400" y="2373475"/>
+              <a:ext cx="0" cy="2556000"/>
+            </a:xfrm>
+            <a:prstGeom prst="line">
+              <a:avLst/>
+            </a:prstGeom>
+            <a:ln w="19050">
+              <a:solidFill>
+                <a:srgbClr val="0070C0"/>
+              </a:solidFill>
+              <a:prstDash val="sysDash"/>
+            </a:ln>
+            <a:effectLst/>
+          </p:spPr>
+          <p:style>
+            <a:lnRef idx="1">
+              <a:schemeClr val="accent1"/>
+            </a:lnRef>
+            <a:fillRef idx="2">
+              <a:schemeClr val="accent1"/>
+            </a:fillRef>
+            <a:effectRef idx="1">
+              <a:schemeClr val="accent1"/>
+            </a:effectRef>
+            <a:fontRef idx="minor">
+              <a:schemeClr val="dk1"/>
+            </a:fontRef>
+          </p:style>
+        </p:cxnSp>
+        <p:cxnSp>
+          <p:nvCxnSpPr>
+            <p:cNvPr id="35" name="Straight Connector 34"/>
+            <p:cNvCxnSpPr/>
+            <p:nvPr/>
+          </p:nvCxnSpPr>
+          <p:spPr>
+            <a:xfrm>
+              <a:off x="1905000" y="2402485"/>
+              <a:ext cx="0" cy="2592000"/>
+            </a:xfrm>
+            <a:prstGeom prst="line">
+              <a:avLst/>
+            </a:prstGeom>
+            <a:ln w="19050">
+              <a:solidFill>
+                <a:srgbClr val="00B050"/>
+              </a:solidFill>
+              <a:prstDash val="sysDash"/>
+            </a:ln>
+            <a:effectLst/>
+          </p:spPr>
+          <p:style>
+            <a:lnRef idx="1">
+              <a:schemeClr val="accent1"/>
+            </a:lnRef>
+            <a:fillRef idx="2">
+              <a:schemeClr val="accent1"/>
+            </a:fillRef>
+            <a:effectRef idx="1">
+              <a:schemeClr val="accent1"/>
+            </a:effectRef>
+            <a:fontRef idx="minor">
+              <a:schemeClr val="dk1"/>
+            </a:fontRef>
+          </p:style>
+        </p:cxnSp>
+        <p:sp>
+          <p:nvSpPr>
+            <p:cNvPr id="36" name="Rectangle 35"/>
+            <p:cNvSpPr/>
+            <p:nvPr/>
+          </p:nvSpPr>
+          <p:spPr>
+            <a:xfrm>
+              <a:off x="1818394" y="4104000"/>
+              <a:ext cx="144000" cy="720000"/>
+            </a:xfrm>
+            <a:prstGeom prst="rect">
+              <a:avLst/>
+            </a:prstGeom>
+            <a:solidFill>
+              <a:srgbClr val="00B050"/>
+            </a:solidFill>
+            <a:ln>
+              <a:solidFill>
+                <a:srgbClr val="00B050"/>
+              </a:solidFill>
+            </a:ln>
+            <a:effectLst/>
+          </p:spPr>
+          <p:style>
+            <a:lnRef idx="1">
+              <a:schemeClr val="accent3"/>
+            </a:lnRef>
+            <a:fillRef idx="2">
+              <a:schemeClr val="accent3"/>
+            </a:fillRef>
+            <a:effectRef idx="1">
+              <a:schemeClr val="accent3"/>
+            </a:effectRef>
+            <a:fontRef idx="minor">
+              <a:schemeClr val="dk1"/>
+            </a:fontRef>
+          </p:style>
+          <p:txBody>
+            <a:bodyPr rtlCol="0" anchor="ctr"/>
+            <a:lstStyle/>
+            <a:p>
+              <a:pPr algn="ctr"/>
+              <a:endParaRPr lang="en-SG" sz="1400">
+                <a:solidFill>
+                  <a:schemeClr val="dk1"/>
+                </a:solidFill>
+              </a:endParaRPr>
+            </a:p>
+          </p:txBody>
+        </p:sp>
+        <p:sp>
+          <p:nvSpPr>
+            <p:cNvPr id="37" name="Rectangle 36"/>
+            <p:cNvSpPr/>
+            <p:nvPr/>
+          </p:nvSpPr>
+          <p:spPr>
+            <a:xfrm>
+              <a:off x="6157793" y="3750711"/>
+              <a:ext cx="1946815" cy="276999"/>
+            </a:xfrm>
+            <a:prstGeom prst="rect">
+              <a:avLst/>
+            </a:prstGeom>
+          </p:spPr>
+          <p:txBody>
+            <a:bodyPr wrap="none">
+              <a:spAutoFit/>
+            </a:bodyPr>
+            <a:lstStyle/>
+            <a:p>
+              <a:r>
+                <a:rPr lang="en-US" sz="1200" dirty="0" err="1" smtClean="0">
+                  <a:solidFill>
+                    <a:srgbClr val="00B050"/>
+                  </a:solidFill>
+                </a:rPr>
+                <a:t>handleChangeThemeEvent</a:t>
+              </a:r>
+              <a:r>
+                <a:rPr lang="en-US" sz="1200" dirty="0" smtClean="0">
+                  <a:solidFill>
+                    <a:srgbClr val="00B050"/>
+                  </a:solidFill>
+                </a:rPr>
+                <a:t>()</a:t>
+              </a:r>
+              <a:endParaRPr lang="en-US" sz="1200" dirty="0">
+                <a:solidFill>
+                  <a:srgbClr val="00B050"/>
+                </a:solidFill>
+              </a:endParaRPr>
+            </a:p>
+          </p:txBody>
+        </p:sp>
+        <p:sp>
+          <p:nvSpPr>
+            <p:cNvPr id="38" name="Rectangle 37"/>
+            <p:cNvSpPr/>
+            <p:nvPr/>
+          </p:nvSpPr>
+          <p:spPr>
+            <a:xfrm>
+              <a:off x="5875270" y="4188787"/>
+              <a:ext cx="135061" cy="324000"/>
+            </a:xfrm>
+            <a:prstGeom prst="rect">
+              <a:avLst/>
+            </a:prstGeom>
+            <a:solidFill>
+              <a:srgbClr val="7030A0"/>
+            </a:solidFill>
+            <a:ln>
+              <a:solidFill>
+                <a:srgbClr val="7030A0"/>
+              </a:solidFill>
+            </a:ln>
+            <a:effectLst/>
+          </p:spPr>
+          <p:style>
+            <a:lnRef idx="1">
+              <a:schemeClr val="accent3"/>
+            </a:lnRef>
+            <a:fillRef idx="2">
+              <a:schemeClr val="accent3"/>
+            </a:fillRef>
+            <a:effectRef idx="1">
+              <a:schemeClr val="accent3"/>
+            </a:effectRef>
+            <a:fontRef idx="minor">
+              <a:schemeClr val="dk1"/>
+            </a:fontRef>
+          </p:style>
+          <p:txBody>
+            <a:bodyPr rtlCol="0" anchor="ctr"/>
+            <a:lstStyle/>
+            <a:p>
+              <a:pPr algn="ctr"/>
+              <a:endParaRPr lang="en-SG" sz="1400">
+                <a:solidFill>
+                  <a:schemeClr val="dk1"/>
+                </a:solidFill>
+              </a:endParaRPr>
+            </a:p>
+          </p:txBody>
+        </p:sp>
+        <p:cxnSp>
+          <p:nvCxnSpPr>
+            <p:cNvPr id="39" name="Straight Arrow Connector 38"/>
+            <p:cNvCxnSpPr/>
+            <p:nvPr/>
+          </p:nvCxnSpPr>
+          <p:spPr>
+            <a:xfrm>
+              <a:off x="4067400" y="4495800"/>
+              <a:ext cx="1800000" cy="0"/>
+            </a:xfrm>
+            <a:prstGeom prst="straightConnector1">
+              <a:avLst/>
+            </a:prstGeom>
+            <a:ln w="19050">
+              <a:solidFill>
+                <a:srgbClr val="7030A0"/>
+              </a:solidFill>
+              <a:prstDash val="sysDash"/>
+              <a:headEnd type="arrow" w="med" len="med"/>
+              <a:tailEnd type="none" w="med" len="med"/>
+            </a:ln>
+          </p:spPr>
+          <p:style>
+            <a:lnRef idx="1">
+              <a:schemeClr val="accent1"/>
+            </a:lnRef>
+            <a:fillRef idx="0">
+              <a:schemeClr val="accent1"/>
+            </a:fillRef>
+            <a:effectRef idx="0">
+              <a:schemeClr val="accent1"/>
+            </a:effectRef>
+            <a:fontRef idx="minor">
+              <a:schemeClr val="tx1"/>
+            </a:fontRef>
+          </p:style>
+        </p:cxnSp>
+        <p:cxnSp>
+          <p:nvCxnSpPr>
+            <p:cNvPr id="40" name="Straight Arrow Connector 39"/>
+            <p:cNvCxnSpPr/>
+            <p:nvPr/>
+          </p:nvCxnSpPr>
+          <p:spPr>
+            <a:xfrm>
+              <a:off x="1905000" y="4196585"/>
+              <a:ext cx="3996000" cy="1"/>
+            </a:xfrm>
+            <a:prstGeom prst="straightConnector1">
+              <a:avLst/>
+            </a:prstGeom>
+            <a:ln w="19050">
+              <a:solidFill>
+                <a:srgbClr val="00B050"/>
+              </a:solidFill>
+              <a:tailEnd type="arrow"/>
+            </a:ln>
+          </p:spPr>
+          <p:style>
+            <a:lnRef idx="1">
+              <a:schemeClr val="accent1"/>
+            </a:lnRef>
+            <a:fillRef idx="0">
+              <a:schemeClr val="accent1"/>
+            </a:fillRef>
+            <a:effectRef idx="0">
+              <a:schemeClr val="accent1"/>
+            </a:effectRef>
+            <a:fontRef idx="minor">
+              <a:schemeClr val="tx1"/>
+            </a:fontRef>
+          </p:style>
+        </p:cxnSp>
+        <p:sp>
+          <p:nvSpPr>
+            <p:cNvPr id="41" name="Rectangle 40"/>
+            <p:cNvSpPr/>
+            <p:nvPr/>
+          </p:nvSpPr>
+          <p:spPr>
+            <a:xfrm>
+              <a:off x="5952659" y="4362332"/>
+              <a:ext cx="135061" cy="144000"/>
+            </a:xfrm>
+            <a:prstGeom prst="rect">
+              <a:avLst/>
+            </a:prstGeom>
+            <a:solidFill>
+              <a:srgbClr val="7030A0"/>
+            </a:solidFill>
+            <a:ln>
+              <a:solidFill>
+                <a:schemeClr val="bg1"/>
+              </a:solidFill>
+            </a:ln>
+            <a:effectLst/>
+          </p:spPr>
+          <p:style>
+            <a:lnRef idx="1">
+              <a:schemeClr val="accent3"/>
+            </a:lnRef>
+            <a:fillRef idx="2">
+              <a:schemeClr val="accent3"/>
+            </a:fillRef>
+            <a:effectRef idx="1">
+              <a:schemeClr val="accent3"/>
+            </a:effectRef>
+            <a:fontRef idx="minor">
+              <a:schemeClr val="dk1"/>
+            </a:fontRef>
+          </p:style>
+          <p:txBody>
+            <a:bodyPr rtlCol="0" anchor="ctr"/>
+            <a:lstStyle/>
+            <a:p>
+              <a:pPr algn="ctr"/>
+              <a:endParaRPr lang="en-SG" sz="1400" dirty="0">
+                <a:solidFill>
+                  <a:schemeClr val="dk1"/>
+                </a:solidFill>
+              </a:endParaRPr>
+            </a:p>
+          </p:txBody>
+        </p:sp>
+        <p:sp>
+          <p:nvSpPr>
+            <p:cNvPr id="42" name="Freeform 41"/>
+            <p:cNvSpPr/>
+            <p:nvPr/>
+          </p:nvSpPr>
+          <p:spPr>
+            <a:xfrm rot="18999002" flipV="1">
+              <a:off x="6104994" y="4332201"/>
+              <a:ext cx="167452" cy="116880"/>
+            </a:xfrm>
+            <a:custGeom>
+              <a:avLst/>
+              <a:gdLst>
+                <a:gd name="connsiteX0" fmla="*/ 0 w 226400"/>
+                <a:gd name="connsiteY0" fmla="*/ 32920 h 171466"/>
+                <a:gd name="connsiteX1" fmla="*/ 157018 w 226400"/>
+                <a:gd name="connsiteY1" fmla="*/ 5211 h 171466"/>
+                <a:gd name="connsiteX2" fmla="*/ 221673 w 226400"/>
+                <a:gd name="connsiteY2" fmla="*/ 125284 h 171466"/>
+                <a:gd name="connsiteX3" fmla="*/ 36945 w 226400"/>
+                <a:gd name="connsiteY3" fmla="*/ 171466 h 171466"/>
+              </a:gdLst>
+              <a:ahLst/>
+              <a:cxnLst>
+                <a:cxn ang="0">
+                  <a:pos x="connsiteX0" y="connsiteY0"/>
+                </a:cxn>
+                <a:cxn ang="0">
+                  <a:pos x="connsiteX1" y="connsiteY1"/>
+                </a:cxn>
+                <a:cxn ang="0">
+                  <a:pos x="connsiteX2" y="connsiteY2"/>
+                </a:cxn>
+                <a:cxn ang="0">
+                  <a:pos x="connsiteX3" y="connsiteY3"/>
+                </a:cxn>
+              </a:cxnLst>
+              <a:rect l="l" t="t" r="r" b="b"/>
+              <a:pathLst>
+                <a:path w="226400" h="171466">
+                  <a:moveTo>
+                    <a:pt x="0" y="32920"/>
+                  </a:moveTo>
+                  <a:cubicBezTo>
+                    <a:pt x="60036" y="11368"/>
+                    <a:pt x="120073" y="-10183"/>
+                    <a:pt x="157018" y="5211"/>
+                  </a:cubicBezTo>
+                  <a:cubicBezTo>
+                    <a:pt x="193963" y="20605"/>
+                    <a:pt x="241685" y="97575"/>
+                    <a:pt x="221673" y="125284"/>
+                  </a:cubicBezTo>
+                  <a:cubicBezTo>
+                    <a:pt x="201661" y="152993"/>
+                    <a:pt x="119303" y="162229"/>
+                    <a:pt x="36945" y="171466"/>
+                  </a:cubicBezTo>
+                </a:path>
+              </a:pathLst>
+            </a:custGeom>
+            <a:ln w="19050">
+              <a:solidFill>
+                <a:srgbClr val="7030A0"/>
+              </a:solidFill>
+              <a:headEnd type="arrow" w="med" len="med"/>
+              <a:tailEnd type="none" w="med" len="med"/>
+            </a:ln>
+          </p:spPr>
+          <p:style>
+            <a:lnRef idx="1">
+              <a:schemeClr val="accent1"/>
+            </a:lnRef>
+            <a:fillRef idx="0">
+              <a:schemeClr val="accent1"/>
+            </a:fillRef>
+            <a:effectRef idx="0">
+              <a:schemeClr val="accent1"/>
+            </a:effectRef>
+            <a:fontRef idx="minor">
+              <a:schemeClr val="tx1"/>
+            </a:fontRef>
+          </p:style>
+          <p:txBody>
+            <a:bodyPr rtlCol="0" anchor="ctr"/>
+            <a:lstStyle/>
+            <a:p>
+              <a:pPr algn="ctr"/>
+              <a:endParaRPr lang="en-SG"/>
+            </a:p>
+          </p:txBody>
+        </p:sp>
+        <p:sp>
+          <p:nvSpPr>
+            <p:cNvPr id="43" name="TextBox 42"/>
+            <p:cNvSpPr txBox="1"/>
+            <p:nvPr/>
+          </p:nvSpPr>
+          <p:spPr>
+            <a:xfrm>
+              <a:off x="6352807" y="4191000"/>
+              <a:ext cx="1706496" cy="369332"/>
+            </a:xfrm>
+            <a:prstGeom prst="rect">
+              <a:avLst/>
+            </a:prstGeom>
+            <a:noFill/>
+          </p:spPr>
+          <p:txBody>
+            <a:bodyPr wrap="square" lIns="0" tIns="0" rIns="0" bIns="0" rtlCol="0">
+              <a:spAutoFit/>
+            </a:bodyPr>
+            <a:lstStyle/>
+            <a:p>
+              <a:r>
+                <a:rPr lang="en-US" sz="1200" dirty="0" err="1" smtClean="0">
+                  <a:solidFill>
+                    <a:srgbClr val="7030A0"/>
+                  </a:solidFill>
+                </a:rPr>
+                <a:t>Theme.change</a:t>
+              </a:r>
+              <a:endParaRPr lang="en-US" sz="1200" dirty="0" smtClean="0">
+                <a:solidFill>
+                  <a:srgbClr val="7030A0"/>
+                </a:solidFill>
+              </a:endParaRPr>
+            </a:p>
+            <a:p>
+              <a:r>
+                <a:rPr lang="en-US" sz="1200" dirty="0" smtClean="0">
+                  <a:solidFill>
+                    <a:srgbClr val="7030A0"/>
+                  </a:solidFill>
+                </a:rPr>
+                <a:t>Theme(</a:t>
+              </a:r>
+              <a:r>
+                <a:rPr lang="en-US" sz="1200" dirty="0" err="1" smtClean="0">
+                  <a:solidFill>
+                    <a:srgbClr val="7030A0"/>
+                  </a:solidFill>
+                </a:rPr>
+                <a:t>primaryStage</a:t>
+              </a:r>
+              <a:r>
+                <a:rPr lang="en-US" sz="1200" dirty="0" smtClean="0">
+                  <a:solidFill>
+                    <a:srgbClr val="7030A0"/>
+                  </a:solidFill>
+                </a:rPr>
+                <a:t>)</a:t>
+              </a:r>
+              <a:endParaRPr lang="en-US" sz="1200" dirty="0">
+                <a:solidFill>
+                  <a:srgbClr val="7030A0"/>
+                </a:solidFill>
+              </a:endParaRPr>
+            </a:p>
+          </p:txBody>
+        </p:sp>
+        <p:sp>
+          <p:nvSpPr>
+            <p:cNvPr id="45" name="TextBox 44"/>
+            <p:cNvSpPr txBox="1"/>
+            <p:nvPr/>
+          </p:nvSpPr>
+          <p:spPr>
+            <a:xfrm>
+              <a:off x="2331125" y="4196585"/>
+              <a:ext cx="1158074" cy="276999"/>
+            </a:xfrm>
+            <a:prstGeom prst="rect">
+              <a:avLst/>
+            </a:prstGeom>
+            <a:noFill/>
+          </p:spPr>
+          <p:txBody>
+            <a:bodyPr wrap="none" rtlCol="0">
+              <a:spAutoFit/>
+            </a:bodyPr>
+            <a:lstStyle/>
+            <a:p>
+              <a:r>
+                <a:rPr lang="en-GB" sz="1200" dirty="0" err="1" smtClean="0">
+                  <a:solidFill>
+                    <a:srgbClr val="7030A0"/>
+                  </a:solidFill>
+                </a:rPr>
+                <a:t>changeTheme</a:t>
+              </a:r>
+              <a:r>
+                <a:rPr lang="en-GB" sz="1200" dirty="0" smtClean="0">
+                  <a:solidFill>
+                    <a:srgbClr val="7030A0"/>
+                  </a:solidFill>
+                </a:rPr>
+                <a:t>()</a:t>
+              </a:r>
+              <a:endParaRPr lang="en-GB" sz="1200" dirty="0">
+                <a:solidFill>
+                  <a:srgbClr val="7030A0"/>
+                </a:solidFill>
+              </a:endParaRPr>
+            </a:p>
+          </p:txBody>
+        </p:sp>
+        <p:sp>
+          <p:nvSpPr>
+            <p:cNvPr id="46" name="Rectangle 45"/>
+            <p:cNvSpPr/>
+            <p:nvPr/>
+          </p:nvSpPr>
+          <p:spPr>
+            <a:xfrm>
+              <a:off x="3886591" y="4495800"/>
+              <a:ext cx="144016" cy="216000"/>
+            </a:xfrm>
+            <a:prstGeom prst="rect">
+              <a:avLst/>
+            </a:prstGeom>
+            <a:solidFill>
+              <a:srgbClr val="0070C0"/>
+            </a:solidFill>
+            <a:ln>
+              <a:solidFill>
+                <a:srgbClr val="0070C0"/>
+              </a:solidFill>
+            </a:ln>
+            <a:effectLst/>
+          </p:spPr>
+          <p:style>
+            <a:lnRef idx="1">
+              <a:schemeClr val="accent3"/>
+            </a:lnRef>
+            <a:fillRef idx="2">
+              <a:schemeClr val="accent3"/>
+            </a:fillRef>
+            <a:effectRef idx="1">
+              <a:schemeClr val="accent3"/>
+            </a:effectRef>
+            <a:fontRef idx="minor">
+              <a:schemeClr val="dk1"/>
+            </a:fontRef>
+          </p:style>
+          <p:txBody>
+            <a:bodyPr rtlCol="0" anchor="ctr"/>
+            <a:lstStyle/>
+            <a:p>
+              <a:pPr algn="ctr"/>
+              <a:endParaRPr lang="en-SG" sz="1400">
+                <a:solidFill>
+                  <a:schemeClr val="dk1"/>
+                </a:solidFill>
+              </a:endParaRPr>
+            </a:p>
+          </p:txBody>
+        </p:sp>
+        <p:cxnSp>
+          <p:nvCxnSpPr>
+            <p:cNvPr id="48" name="Straight Arrow Connector 47"/>
+            <p:cNvCxnSpPr/>
+            <p:nvPr/>
+          </p:nvCxnSpPr>
+          <p:spPr>
+            <a:xfrm>
+              <a:off x="1969804" y="4711800"/>
+              <a:ext cx="1908000" cy="0"/>
+            </a:xfrm>
+            <a:prstGeom prst="straightConnector1">
+              <a:avLst/>
+            </a:prstGeom>
+            <a:ln w="19050">
+              <a:solidFill>
+                <a:srgbClr val="0070C0"/>
+              </a:solidFill>
+              <a:prstDash val="sysDash"/>
+              <a:headEnd type="arrow" w="med" len="med"/>
+              <a:tailEnd type="none" w="med" len="med"/>
+            </a:ln>
+          </p:spPr>
+          <p:style>
+            <a:lnRef idx="1">
+              <a:schemeClr val="accent1"/>
+            </a:lnRef>
+            <a:fillRef idx="0">
+              <a:schemeClr val="accent1"/>
+            </a:fillRef>
+            <a:effectRef idx="0">
+              <a:schemeClr val="accent1"/>
+            </a:effectRef>
+            <a:fontRef idx="minor">
+              <a:schemeClr val="tx1"/>
+            </a:fontRef>
+          </p:style>
+        </p:cxnSp>
+      </p:grpSp>
+    </p:spTree>
+    <p:extLst>
+      <p:ext uri="{BB962C8B-B14F-4D97-AF65-F5344CB8AC3E}">
+        <p14:creationId xmlns:p14="http://schemas.microsoft.com/office/powerpoint/2010/main" val="725145069"/>
+      </p:ext>
+    </p:extLst>
+  </p:cSld>
+  <p:clrMapOvr>
+    <a:masterClrMapping/>
+  </p:clrMapOvr>
+</p:sld>
+</file>
+
+<file path=ppt/slides/slide4.xml><?xml version="1.0" encoding="utf-8"?>
+<p:sld xmlns:a="http://schemas.openxmlformats.org/drawingml/2006/main" xmlns:r="http://schemas.openxmlformats.org/officeDocument/2006/relationships" xmlns:p="http://schemas.openxmlformats.org/presentationml/2006/main">
+  <p:cSld>
+    <p:spTree>
+      <p:nvGrpSpPr>
+        <p:cNvPr id="1" name=""/>
+        <p:cNvGrpSpPr/>
+        <p:nvPr/>
+      </p:nvGrpSpPr>
+      <p:grpSpPr>
+        <a:xfrm>
+          <a:off x="0" y="0"/>
+          <a:ext cx="0" cy="0"/>
+          <a:chOff x="0" y="0"/>
+          <a:chExt cx="0" cy="0"/>
+        </a:xfrm>
+      </p:grpSpPr>
+      <p:grpSp>
+        <p:nvGrpSpPr>
+          <p:cNvPr id="55" name="Group 54"/>
+          <p:cNvGrpSpPr/>
+          <p:nvPr/>
+        </p:nvGrpSpPr>
+        <p:grpSpPr>
+          <a:xfrm>
+            <a:off x="228600" y="1447800"/>
+            <a:ext cx="8759706" cy="4520019"/>
+            <a:chOff x="228600" y="1447800"/>
+            <a:chExt cx="8759706" cy="4520019"/>
+          </a:xfrm>
+        </p:grpSpPr>
+        <p:grpSp>
+          <p:nvGrpSpPr>
+            <p:cNvPr id="2" name="Group 1"/>
+            <p:cNvGrpSpPr/>
+            <p:nvPr/>
+          </p:nvGrpSpPr>
+          <p:grpSpPr>
+            <a:xfrm>
+              <a:off x="228600" y="1447800"/>
+              <a:ext cx="8759706" cy="2164943"/>
+              <a:chOff x="155276" y="533399"/>
+              <a:chExt cx="8924977" cy="2164944"/>
+            </a:xfrm>
+          </p:grpSpPr>
+          <p:sp>
+            <p:nvSpPr>
+              <p:cNvPr id="3" name="Rectangle 62"/>
+              <p:cNvSpPr/>
+              <p:nvPr/>
+            </p:nvSpPr>
+            <p:spPr>
+              <a:xfrm>
+                <a:off x="1346780" y="607924"/>
+                <a:ext cx="1114268" cy="346760"/>
+              </a:xfrm>
+              <a:prstGeom prst="rect">
+                <a:avLst/>
+              </a:prstGeom>
+              <a:solidFill>
+                <a:srgbClr val="00B050"/>
+              </a:solidFill>
+              <a:ln w="19050">
+                <a:solidFill>
+                  <a:srgbClr val="00B050"/>
+                </a:solidFill>
+              </a:ln>
+              <a:effectLst/>
+            </p:spPr>
+            <p:style>
+              <a:lnRef idx="1">
+                <a:schemeClr val="accent2"/>
+              </a:lnRef>
+              <a:fillRef idx="2">
+                <a:schemeClr val="accent2"/>
+              </a:fillRef>
+              <a:effectRef idx="1">
+                <a:schemeClr val="accent2"/>
+              </a:effectRef>
+              <a:fontRef idx="minor">
+                <a:schemeClr val="dk1"/>
+              </a:fontRef>
+            </p:style>
+            <p:txBody>
+              <a:bodyPr rtlCol="0" anchor="ctr"/>
+              <a:lstStyle/>
+              <a:p>
+                <a:pPr algn="ctr"/>
+                <a:r>
+                  <a:rPr lang="en-US" sz="1200" dirty="0" smtClean="0">
+                    <a:solidFill>
+                      <a:schemeClr val="bg1"/>
+                    </a:solidFill>
+                  </a:rPr>
+                  <a:t>:UI</a:t>
+                </a:r>
+                <a:endParaRPr lang="en-SG" sz="1200" dirty="0">
+                  <a:solidFill>
+                    <a:schemeClr val="bg1"/>
+                  </a:solidFill>
+                </a:endParaRPr>
+              </a:p>
+            </p:txBody>
+          </p:sp>
+          <p:cxnSp>
+            <p:nvCxnSpPr>
+              <p:cNvPr id="4" name="Straight Connector 3"/>
+              <p:cNvCxnSpPr/>
+              <p:nvPr/>
+            </p:nvCxnSpPr>
+            <p:spPr>
+              <a:xfrm>
+                <a:off x="1854255" y="944303"/>
+                <a:ext cx="0" cy="1723059"/>
+              </a:xfrm>
+              <a:prstGeom prst="line">
+                <a:avLst/>
+              </a:prstGeom>
+              <a:ln w="19050">
+                <a:solidFill>
+                  <a:srgbClr val="00B050"/>
+                </a:solidFill>
+                <a:prstDash val="sysDash"/>
+              </a:ln>
+              <a:effectLst/>
+            </p:spPr>
+            <p:style>
+              <a:lnRef idx="1">
+                <a:schemeClr val="accent1"/>
+              </a:lnRef>
+              <a:fillRef idx="2">
+                <a:schemeClr val="accent1"/>
+              </a:fillRef>
+              <a:effectRef idx="1">
+                <a:schemeClr val="accent1"/>
+              </a:effectRef>
+              <a:fontRef idx="minor">
+                <a:schemeClr val="dk1"/>
+              </a:fontRef>
+            </p:style>
+          </p:cxnSp>
+          <p:sp>
+            <p:nvSpPr>
+              <p:cNvPr id="5" name="Rectangle 4"/>
+              <p:cNvSpPr/>
+              <p:nvPr/>
+            </p:nvSpPr>
+            <p:spPr>
+              <a:xfrm>
+                <a:off x="1779176" y="1322291"/>
+                <a:ext cx="150158" cy="1116108"/>
+              </a:xfrm>
+              <a:prstGeom prst="rect">
+                <a:avLst/>
+              </a:prstGeom>
+              <a:solidFill>
+                <a:srgbClr val="00B050"/>
+              </a:solidFill>
+              <a:ln>
+                <a:solidFill>
+                  <a:srgbClr val="00B050"/>
+                </a:solidFill>
+              </a:ln>
+              <a:effectLst/>
+            </p:spPr>
+            <p:style>
+              <a:lnRef idx="1">
+                <a:schemeClr val="accent3"/>
+              </a:lnRef>
+              <a:fillRef idx="2">
+                <a:schemeClr val="accent3"/>
+              </a:fillRef>
+              <a:effectRef idx="1">
+                <a:schemeClr val="accent3"/>
+              </a:effectRef>
+              <a:fontRef idx="minor">
+                <a:schemeClr val="dk1"/>
+              </a:fontRef>
+            </p:style>
+            <p:txBody>
+              <a:bodyPr rtlCol="0" anchor="ctr"/>
+              <a:lstStyle/>
+              <a:p>
+                <a:pPr algn="ctr"/>
+                <a:endParaRPr lang="en-SG" sz="1400">
+                  <a:solidFill>
+                    <a:schemeClr val="dk1"/>
+                  </a:solidFill>
+                </a:endParaRPr>
+              </a:p>
+            </p:txBody>
+          </p:sp>
+          <p:grpSp>
+            <p:nvGrpSpPr>
+              <p:cNvPr id="6" name="Actor"/>
+              <p:cNvGrpSpPr/>
+              <p:nvPr/>
+            </p:nvGrpSpPr>
+            <p:grpSpPr>
+              <a:xfrm>
+                <a:off x="155276" y="533399"/>
+                <a:ext cx="330150" cy="573410"/>
+                <a:chOff x="3239901" y="4149080"/>
+                <a:chExt cx="648072" cy="1146820"/>
+              </a:xfrm>
+            </p:grpSpPr>
+            <p:sp>
+              <p:nvSpPr>
+                <p:cNvPr id="29" name="Flowchart: Connector 7"/>
+                <p:cNvSpPr/>
+                <p:nvPr/>
+              </p:nvSpPr>
+              <p:spPr>
+                <a:xfrm>
+                  <a:off x="3419872" y="4149080"/>
+                  <a:ext cx="288032" cy="288032"/>
+                </a:xfrm>
+                <a:prstGeom prst="flowChartConnector">
+                  <a:avLst/>
+                </a:prstGeom>
+                <a:solidFill>
+                  <a:schemeClr val="bg1">
+                    <a:lumMod val="85000"/>
+                  </a:schemeClr>
+                </a:solidFill>
+                <a:ln w="28575">
+                  <a:solidFill>
+                    <a:schemeClr val="tx1"/>
+                  </a:solidFill>
+                </a:ln>
+                <a:effectLst/>
+              </p:spPr>
+              <p:style>
+                <a:lnRef idx="1">
+                  <a:schemeClr val="accent4"/>
+                </a:lnRef>
+                <a:fillRef idx="2">
+                  <a:schemeClr val="accent4"/>
+                </a:fillRef>
+                <a:effectRef idx="1">
+                  <a:schemeClr val="accent4"/>
+                </a:effectRef>
+                <a:fontRef idx="minor">
+                  <a:schemeClr val="dk1"/>
+                </a:fontRef>
+              </p:style>
+              <p:txBody>
+                <a:bodyPr rtlCol="0" anchor="ctr"/>
+                <a:lstStyle/>
+                <a:p>
+                  <a:pPr algn="ctr"/>
+                  <a:endParaRPr lang="en-SG"/>
+                </a:p>
+              </p:txBody>
+            </p:sp>
+            <p:cxnSp>
+              <p:nvCxnSpPr>
+                <p:cNvPr id="30" name="Straight Connector 29"/>
+                <p:cNvCxnSpPr>
+                  <a:stCxn id="8" idx="4"/>
+                </p:cNvCxnSpPr>
+                <p:nvPr/>
+              </p:nvCxnSpPr>
+              <p:spPr>
+                <a:xfrm>
+                  <a:off x="3563888" y="4437112"/>
+                  <a:ext cx="0" cy="504056"/>
+                </a:xfrm>
+                <a:prstGeom prst="line">
+                  <a:avLst/>
+                </a:prstGeom>
+                <a:ln w="28575">
+                  <a:solidFill>
+                    <a:schemeClr val="tx1"/>
+                  </a:solidFill>
+                </a:ln>
+                <a:effectLst/>
+              </p:spPr>
+              <p:style>
+                <a:lnRef idx="1">
+                  <a:schemeClr val="accent4"/>
+                </a:lnRef>
+                <a:fillRef idx="2">
+                  <a:schemeClr val="accent4"/>
+                </a:fillRef>
+                <a:effectRef idx="1">
+                  <a:schemeClr val="accent4"/>
+                </a:effectRef>
+                <a:fontRef idx="minor">
+                  <a:schemeClr val="dk1"/>
+                </a:fontRef>
+              </p:style>
+            </p:cxnSp>
+            <p:sp>
+              <p:nvSpPr>
+                <p:cNvPr id="31" name="Freeform 30"/>
+                <p:cNvSpPr/>
+                <p:nvPr/>
+              </p:nvSpPr>
+              <p:spPr>
+                <a:xfrm>
+                  <a:off x="3324225" y="4933950"/>
+                  <a:ext cx="479425" cy="361950"/>
+                </a:xfrm>
+                <a:custGeom>
+                  <a:avLst/>
+                  <a:gdLst>
+                    <a:gd name="connsiteX0" fmla="*/ 0 w 479425"/>
+                    <a:gd name="connsiteY0" fmla="*/ 355600 h 361950"/>
+                    <a:gd name="connsiteX1" fmla="*/ 241300 w 479425"/>
+                    <a:gd name="connsiteY1" fmla="*/ 0 h 361950"/>
+                    <a:gd name="connsiteX2" fmla="*/ 479425 w 479425"/>
+                    <a:gd name="connsiteY2" fmla="*/ 361950 h 361950"/>
+                  </a:gdLst>
+                  <a:ahLst/>
+                  <a:cxnLst>
+                    <a:cxn ang="0">
+                      <a:pos x="connsiteX0" y="connsiteY0"/>
+                    </a:cxn>
+                    <a:cxn ang="0">
+                      <a:pos x="connsiteX1" y="connsiteY1"/>
+                    </a:cxn>
+                    <a:cxn ang="0">
+                      <a:pos x="connsiteX2" y="connsiteY2"/>
+                    </a:cxn>
+                  </a:cxnLst>
+                  <a:rect l="l" t="t" r="r" b="b"/>
+                  <a:pathLst>
+                    <a:path w="479425" h="361950">
+                      <a:moveTo>
+                        <a:pt x="0" y="355600"/>
+                      </a:moveTo>
+                      <a:lnTo>
+                        <a:pt x="241300" y="0"/>
+                      </a:lnTo>
+                      <a:lnTo>
+                        <a:pt x="479425" y="361950"/>
+                      </a:lnTo>
+                    </a:path>
+                  </a:pathLst>
+                </a:custGeom>
+                <a:noFill/>
+                <a:ln w="28575">
+                  <a:solidFill>
+                    <a:schemeClr val="tx1"/>
+                  </a:solidFill>
+                </a:ln>
+                <a:effectLst/>
+              </p:spPr>
+              <p:style>
+                <a:lnRef idx="1">
+                  <a:schemeClr val="accent4"/>
+                </a:lnRef>
+                <a:fillRef idx="2">
+                  <a:schemeClr val="accent4"/>
+                </a:fillRef>
+                <a:effectRef idx="1">
+                  <a:schemeClr val="accent4"/>
+                </a:effectRef>
+                <a:fontRef idx="minor">
+                  <a:schemeClr val="dk1"/>
+                </a:fontRef>
+              </p:style>
+              <p:txBody>
+                <a:bodyPr rtlCol="0" anchor="ctr"/>
+                <a:lstStyle/>
+                <a:p>
+                  <a:pPr algn="ctr"/>
+                  <a:endParaRPr lang="en-SG"/>
+                </a:p>
+              </p:txBody>
+            </p:sp>
+            <p:cxnSp>
+              <p:nvCxnSpPr>
+                <p:cNvPr id="32" name="Straight Connector 31"/>
+                <p:cNvCxnSpPr/>
+                <p:nvPr/>
+              </p:nvCxnSpPr>
+              <p:spPr>
+                <a:xfrm>
+                  <a:off x="3239901" y="4509120"/>
+                  <a:ext cx="648072" cy="0"/>
+                </a:xfrm>
+                <a:prstGeom prst="line">
+                  <a:avLst/>
+                </a:prstGeom>
+                <a:ln w="28575">
+                  <a:solidFill>
+                    <a:schemeClr val="tx1"/>
+                  </a:solidFill>
+                </a:ln>
+                <a:effectLst/>
+              </p:spPr>
+              <p:style>
+                <a:lnRef idx="1">
+                  <a:schemeClr val="accent4"/>
+                </a:lnRef>
+                <a:fillRef idx="2">
+                  <a:schemeClr val="accent4"/>
+                </a:fillRef>
+                <a:effectRef idx="1">
+                  <a:schemeClr val="accent4"/>
+                </a:effectRef>
+                <a:fontRef idx="minor">
+                  <a:schemeClr val="dk1"/>
+                </a:fontRef>
+              </p:style>
+            </p:cxnSp>
+          </p:grpSp>
+          <p:sp>
+            <p:nvSpPr>
+              <p:cNvPr id="7" name="Rectangle 62"/>
+              <p:cNvSpPr/>
+              <p:nvPr/>
+            </p:nvSpPr>
+            <p:spPr>
+              <a:xfrm>
+                <a:off x="3398516" y="611611"/>
+                <a:ext cx="1114268" cy="346760"/>
+              </a:xfrm>
+              <a:prstGeom prst="rect">
+                <a:avLst/>
+              </a:prstGeom>
+              <a:solidFill>
+                <a:srgbClr val="0070C0"/>
+              </a:solidFill>
+              <a:ln w="19050">
+                <a:solidFill>
+                  <a:srgbClr val="0070C0"/>
+                </a:solidFill>
+              </a:ln>
+              <a:effectLst/>
+            </p:spPr>
+            <p:style>
+              <a:lnRef idx="1">
+                <a:schemeClr val="accent2"/>
+              </a:lnRef>
+              <a:fillRef idx="2">
+                <a:schemeClr val="accent2"/>
+              </a:fillRef>
+              <a:effectRef idx="1">
+                <a:schemeClr val="accent2"/>
+              </a:effectRef>
+              <a:fontRef idx="minor">
+                <a:schemeClr val="dk1"/>
+              </a:fontRef>
+            </p:style>
+            <p:txBody>
+              <a:bodyPr rtlCol="0" anchor="ctr"/>
+              <a:lstStyle/>
+              <a:p>
+                <a:pPr algn="ctr"/>
+                <a:r>
+                  <a:rPr lang="en-US" sz="1200" dirty="0" smtClean="0">
+                    <a:solidFill>
+                      <a:schemeClr val="bg1"/>
+                    </a:solidFill>
+                  </a:rPr>
+                  <a:t>:Logic</a:t>
+                </a:r>
+                <a:endParaRPr lang="en-SG" sz="1200" dirty="0">
+                  <a:solidFill>
+                    <a:schemeClr val="bg1"/>
+                  </a:solidFill>
+                </a:endParaRPr>
+              </a:p>
+            </p:txBody>
+          </p:sp>
+          <p:cxnSp>
+            <p:nvCxnSpPr>
+              <p:cNvPr id="8" name="Straight Connector 7"/>
+              <p:cNvCxnSpPr/>
+              <p:nvPr/>
+            </p:nvCxnSpPr>
+            <p:spPr>
+              <a:xfrm>
+                <a:off x="3955650" y="975283"/>
+                <a:ext cx="0" cy="1723059"/>
+              </a:xfrm>
+              <a:prstGeom prst="line">
+                <a:avLst/>
+              </a:prstGeom>
+              <a:ln w="19050">
+                <a:solidFill>
+                  <a:srgbClr val="0070C0"/>
+                </a:solidFill>
+                <a:prstDash val="sysDash"/>
+              </a:ln>
+              <a:effectLst/>
+            </p:spPr>
+            <p:style>
+              <a:lnRef idx="1">
+                <a:schemeClr val="accent1"/>
+              </a:lnRef>
+              <a:fillRef idx="2">
+                <a:schemeClr val="accent1"/>
+              </a:fillRef>
+              <a:effectRef idx="1">
+                <a:schemeClr val="accent1"/>
+              </a:effectRef>
+              <a:fontRef idx="minor">
+                <a:schemeClr val="dk1"/>
+              </a:fontRef>
+            </p:style>
+          </p:cxnSp>
+          <p:sp>
+            <p:nvSpPr>
+              <p:cNvPr id="9" name="Rectangle 8"/>
+              <p:cNvSpPr/>
+              <p:nvPr/>
+            </p:nvSpPr>
+            <p:spPr>
+              <a:xfrm>
+                <a:off x="3882283" y="1433476"/>
+                <a:ext cx="146733" cy="908725"/>
+              </a:xfrm>
+              <a:prstGeom prst="rect">
+                <a:avLst/>
+              </a:prstGeom>
+              <a:solidFill>
+                <a:srgbClr val="0070C0"/>
+              </a:solidFill>
+              <a:ln>
+                <a:solidFill>
+                  <a:srgbClr val="0070C0"/>
+                </a:solidFill>
+              </a:ln>
+              <a:effectLst/>
+            </p:spPr>
+            <p:style>
+              <a:lnRef idx="1">
+                <a:schemeClr val="accent3"/>
+              </a:lnRef>
+              <a:fillRef idx="2">
+                <a:schemeClr val="accent3"/>
+              </a:fillRef>
+              <a:effectRef idx="1">
+                <a:schemeClr val="accent3"/>
+              </a:effectRef>
+              <a:fontRef idx="minor">
+                <a:schemeClr val="dk1"/>
+              </a:fontRef>
+            </p:style>
+            <p:txBody>
+              <a:bodyPr rtlCol="0" anchor="ctr"/>
+              <a:lstStyle/>
+              <a:p>
+                <a:pPr algn="ctr"/>
+                <a:endParaRPr lang="en-SG" sz="1400">
+                  <a:solidFill>
+                    <a:schemeClr val="dk1"/>
+                  </a:solidFill>
+                </a:endParaRPr>
+              </a:p>
+            </p:txBody>
+          </p:sp>
+          <p:sp>
+            <p:nvSpPr>
+              <p:cNvPr id="10" name="Rectangle 62"/>
+              <p:cNvSpPr/>
+              <p:nvPr/>
+            </p:nvSpPr>
+            <p:spPr>
+              <a:xfrm>
+                <a:off x="5417095" y="607924"/>
+                <a:ext cx="1114268" cy="346760"/>
+              </a:xfrm>
+              <a:prstGeom prst="rect">
+                <a:avLst/>
+              </a:prstGeom>
+              <a:solidFill>
+                <a:srgbClr val="7030A0"/>
+              </a:solidFill>
+              <a:ln w="19050">
+                <a:solidFill>
+                  <a:srgbClr val="7030A0"/>
+                </a:solidFill>
+              </a:ln>
+              <a:effectLst/>
+            </p:spPr>
+            <p:style>
+              <a:lnRef idx="1">
+                <a:schemeClr val="accent2"/>
+              </a:lnRef>
+              <a:fillRef idx="2">
+                <a:schemeClr val="accent2"/>
+              </a:fillRef>
+              <a:effectRef idx="1">
+                <a:schemeClr val="accent2"/>
+              </a:effectRef>
+              <a:fontRef idx="minor">
+                <a:schemeClr val="dk1"/>
+              </a:fontRef>
+            </p:style>
+            <p:txBody>
+              <a:bodyPr rtlCol="0" anchor="ctr"/>
+              <a:lstStyle/>
+              <a:p>
+                <a:pPr algn="ctr"/>
+                <a:r>
+                  <a:rPr lang="en-US" sz="1200" dirty="0" smtClean="0">
+                    <a:solidFill>
+                      <a:schemeClr val="bg1"/>
+                    </a:solidFill>
+                  </a:rPr>
+                  <a:t>:Model</a:t>
+                </a:r>
+                <a:endParaRPr lang="en-SG" sz="1200" dirty="0">
+                  <a:solidFill>
+                    <a:schemeClr val="bg1"/>
+                  </a:solidFill>
+                </a:endParaRPr>
+              </a:p>
+            </p:txBody>
+          </p:sp>
+          <p:cxnSp>
+            <p:nvCxnSpPr>
+              <p:cNvPr id="11" name="Straight Connector 10"/>
+              <p:cNvCxnSpPr/>
+              <p:nvPr/>
+            </p:nvCxnSpPr>
+            <p:spPr>
+              <a:xfrm>
+                <a:off x="5974229" y="971596"/>
+                <a:ext cx="0" cy="1723059"/>
+              </a:xfrm>
+              <a:prstGeom prst="line">
+                <a:avLst/>
+              </a:prstGeom>
+              <a:ln w="19050">
+                <a:solidFill>
+                  <a:srgbClr val="7030A0"/>
+                </a:solidFill>
+                <a:prstDash val="sysDash"/>
+              </a:ln>
+              <a:effectLst/>
+            </p:spPr>
+            <p:style>
+              <a:lnRef idx="1">
+                <a:schemeClr val="accent1"/>
+              </a:lnRef>
+              <a:fillRef idx="2">
+                <a:schemeClr val="accent1"/>
+              </a:fillRef>
+              <a:effectRef idx="1">
+                <a:schemeClr val="accent1"/>
+              </a:effectRef>
+              <a:fontRef idx="minor">
+                <a:schemeClr val="dk1"/>
+              </a:fontRef>
+            </p:style>
+          </p:cxnSp>
+          <p:sp>
+            <p:nvSpPr>
+              <p:cNvPr id="12" name="Rectangle 11"/>
+              <p:cNvSpPr/>
+              <p:nvPr/>
+            </p:nvSpPr>
+            <p:spPr>
+              <a:xfrm>
+                <a:off x="5900862" y="1538407"/>
+                <a:ext cx="137609" cy="727593"/>
+              </a:xfrm>
+              <a:prstGeom prst="rect">
+                <a:avLst/>
+              </a:prstGeom>
+              <a:solidFill>
+                <a:srgbClr val="7030A0"/>
+              </a:solidFill>
+              <a:ln>
+                <a:solidFill>
+                  <a:srgbClr val="7030A0"/>
+                </a:solidFill>
+              </a:ln>
+              <a:effectLst/>
+            </p:spPr>
+            <p:style>
+              <a:lnRef idx="1">
+                <a:schemeClr val="accent3"/>
+              </a:lnRef>
+              <a:fillRef idx="2">
+                <a:schemeClr val="accent3"/>
+              </a:fillRef>
+              <a:effectRef idx="1">
+                <a:schemeClr val="accent3"/>
+              </a:effectRef>
+              <a:fontRef idx="minor">
+                <a:schemeClr val="dk1"/>
+              </a:fontRef>
+            </p:style>
+            <p:txBody>
+              <a:bodyPr rtlCol="0" anchor="ctr"/>
+              <a:lstStyle/>
+              <a:p>
+                <a:pPr algn="ctr"/>
+                <a:endParaRPr lang="en-SG" sz="1400">
+                  <a:solidFill>
+                    <a:schemeClr val="dk1"/>
+                  </a:solidFill>
+                </a:endParaRPr>
+              </a:p>
+            </p:txBody>
+          </p:sp>
+          <p:cxnSp>
+            <p:nvCxnSpPr>
+              <p:cNvPr id="13" name="Straight Arrow Connector 12"/>
+              <p:cNvCxnSpPr/>
+              <p:nvPr/>
+            </p:nvCxnSpPr>
+            <p:spPr>
+              <a:xfrm>
+                <a:off x="320326" y="1322291"/>
+                <a:ext cx="1458850" cy="0"/>
+              </a:xfrm>
+              <a:prstGeom prst="straightConnector1">
+                <a:avLst/>
+              </a:prstGeom>
+              <a:ln w="19050">
+                <a:solidFill>
+                  <a:schemeClr val="tx1"/>
+                </a:solidFill>
+                <a:tailEnd type="arrow"/>
+              </a:ln>
+            </p:spPr>
+            <p:style>
+              <a:lnRef idx="1">
+                <a:schemeClr val="accent1"/>
+              </a:lnRef>
+              <a:fillRef idx="0">
+                <a:schemeClr val="accent1"/>
+              </a:fillRef>
+              <a:effectRef idx="0">
+                <a:schemeClr val="accent1"/>
+              </a:effectRef>
+              <a:fontRef idx="minor">
+                <a:schemeClr val="tx1"/>
+              </a:fontRef>
+            </p:style>
+          </p:cxnSp>
+          <p:sp>
+            <p:nvSpPr>
+              <p:cNvPr id="14" name="TextBox 13"/>
+              <p:cNvSpPr txBox="1"/>
+              <p:nvPr/>
+            </p:nvSpPr>
+            <p:spPr>
+              <a:xfrm>
+                <a:off x="870777" y="1411807"/>
+                <a:ext cx="1248458" cy="184666"/>
+              </a:xfrm>
+              <a:prstGeom prst="rect">
+                <a:avLst/>
+              </a:prstGeom>
+              <a:noFill/>
+            </p:spPr>
+            <p:txBody>
+              <a:bodyPr wrap="square" lIns="0" tIns="0" rIns="0" bIns="0" rtlCol="0">
+                <a:spAutoFit/>
+              </a:bodyPr>
+              <a:lstStyle/>
+              <a:p>
+                <a:r>
+                  <a:rPr lang="en-US" sz="1200" dirty="0" smtClean="0"/>
+                  <a:t>theme light</a:t>
+                </a:r>
+                <a:endParaRPr lang="en-US" sz="1200" dirty="0"/>
+              </a:p>
+            </p:txBody>
+          </p:sp>
+          <p:cxnSp>
+            <p:nvCxnSpPr>
+              <p:cNvPr id="15" name="Straight Arrow Connector 14"/>
+              <p:cNvCxnSpPr/>
+              <p:nvPr/>
+            </p:nvCxnSpPr>
+            <p:spPr>
+              <a:xfrm>
+                <a:off x="1929333" y="1433476"/>
+                <a:ext cx="1952950" cy="1"/>
+              </a:xfrm>
+              <a:prstGeom prst="straightConnector1">
+                <a:avLst/>
+              </a:prstGeom>
+              <a:ln w="19050">
+                <a:solidFill>
+                  <a:srgbClr val="00B050"/>
+                </a:solidFill>
+                <a:tailEnd type="arrow"/>
+              </a:ln>
+            </p:spPr>
+            <p:style>
+              <a:lnRef idx="1">
+                <a:schemeClr val="accent1"/>
+              </a:lnRef>
+              <a:fillRef idx="0">
+                <a:schemeClr val="accent1"/>
+              </a:fillRef>
+              <a:effectRef idx="0">
+                <a:schemeClr val="accent1"/>
+              </a:effectRef>
+              <a:fontRef idx="minor">
+                <a:schemeClr val="tx1"/>
+              </a:fontRef>
+            </p:style>
+          </p:cxnSp>
+          <p:sp>
+            <p:nvSpPr>
+              <p:cNvPr id="16" name="TextBox 15"/>
+              <p:cNvSpPr txBox="1"/>
+              <p:nvPr/>
+            </p:nvSpPr>
+            <p:spPr>
+              <a:xfrm>
+                <a:off x="3085594" y="1551008"/>
+                <a:ext cx="984980" cy="184666"/>
+              </a:xfrm>
+              <a:prstGeom prst="rect">
+                <a:avLst/>
+              </a:prstGeom>
+              <a:noFill/>
+            </p:spPr>
+            <p:txBody>
+              <a:bodyPr wrap="square" lIns="0" tIns="0" rIns="0" bIns="0" rtlCol="0">
+                <a:spAutoFit/>
+              </a:bodyPr>
+              <a:lstStyle/>
+              <a:p>
+                <a:r>
+                  <a:rPr lang="en-US" sz="1200" dirty="0" smtClean="0">
+                    <a:solidFill>
+                      <a:srgbClr val="0070C0"/>
+                    </a:solidFill>
+                  </a:rPr>
+                  <a:t>execute()</a:t>
+                </a:r>
+                <a:endParaRPr lang="en-US" sz="1200" dirty="0">
+                  <a:solidFill>
+                    <a:srgbClr val="0070C0"/>
+                  </a:solidFill>
+                </a:endParaRPr>
+              </a:p>
+            </p:txBody>
+          </p:sp>
+          <p:cxnSp>
+            <p:nvCxnSpPr>
+              <p:cNvPr id="17" name="Straight Arrow Connector 16"/>
+              <p:cNvCxnSpPr/>
+              <p:nvPr/>
+            </p:nvCxnSpPr>
+            <p:spPr>
+              <a:xfrm>
+                <a:off x="4029016" y="1538408"/>
+                <a:ext cx="1871846" cy="0"/>
+              </a:xfrm>
+              <a:prstGeom prst="straightConnector1">
+                <a:avLst/>
+              </a:prstGeom>
+              <a:ln w="19050">
+                <a:solidFill>
+                  <a:srgbClr val="0070C0"/>
+                </a:solidFill>
+                <a:tailEnd type="arrow"/>
+              </a:ln>
+            </p:spPr>
+            <p:style>
+              <a:lnRef idx="1">
+                <a:schemeClr val="accent1"/>
+              </a:lnRef>
+              <a:fillRef idx="0">
+                <a:schemeClr val="accent1"/>
+              </a:fillRef>
+              <a:effectRef idx="0">
+                <a:schemeClr val="accent1"/>
+              </a:effectRef>
+              <a:fontRef idx="minor">
+                <a:schemeClr val="tx1"/>
+              </a:fontRef>
+            </p:style>
+          </p:cxnSp>
+          <p:sp>
+            <p:nvSpPr>
+              <p:cNvPr id="18" name="TextBox 17"/>
+              <p:cNvSpPr txBox="1"/>
+              <p:nvPr/>
+            </p:nvSpPr>
+            <p:spPr>
+              <a:xfrm>
+                <a:off x="4247093" y="1631549"/>
+                <a:ext cx="1738693" cy="184666"/>
+              </a:xfrm>
+              <a:prstGeom prst="rect">
+                <a:avLst/>
+              </a:prstGeom>
+              <a:noFill/>
+            </p:spPr>
+            <p:txBody>
+              <a:bodyPr wrap="square" lIns="0" tIns="0" rIns="0" bIns="0" rtlCol="0">
+                <a:spAutoFit/>
+              </a:bodyPr>
+              <a:lstStyle/>
+              <a:p>
+                <a:r>
+                  <a:rPr lang="en-US" sz="1200" dirty="0" err="1" smtClean="0">
+                    <a:solidFill>
+                      <a:srgbClr val="7030A0"/>
+                    </a:solidFill>
+                  </a:rPr>
+                  <a:t>Theme.setTheme</a:t>
+                </a:r>
+                <a:r>
+                  <a:rPr lang="en-US" sz="1200" dirty="0" smtClean="0">
+                    <a:solidFill>
+                      <a:srgbClr val="7030A0"/>
+                    </a:solidFill>
+                  </a:rPr>
+                  <a:t>(light)</a:t>
+                </a:r>
+                <a:endParaRPr lang="en-US" sz="1200" dirty="0">
+                  <a:solidFill>
+                    <a:srgbClr val="7030A0"/>
+                  </a:solidFill>
+                </a:endParaRPr>
+              </a:p>
+            </p:txBody>
+          </p:sp>
+          <p:sp>
+            <p:nvSpPr>
+              <p:cNvPr id="19" name="TextBox 18"/>
+              <p:cNvSpPr txBox="1"/>
+              <p:nvPr/>
+            </p:nvSpPr>
+            <p:spPr>
+              <a:xfrm>
+                <a:off x="6418024" y="1670493"/>
+                <a:ext cx="2357714" cy="184666"/>
+              </a:xfrm>
+              <a:prstGeom prst="rect">
+                <a:avLst/>
+              </a:prstGeom>
+              <a:noFill/>
+            </p:spPr>
+            <p:txBody>
+              <a:bodyPr wrap="square" lIns="0" tIns="0" rIns="0" bIns="0" rtlCol="0">
+                <a:spAutoFit/>
+              </a:bodyPr>
+              <a:lstStyle/>
+              <a:p>
+                <a:r>
+                  <a:rPr lang="en-US" sz="1200" dirty="0" smtClean="0">
+                    <a:solidFill>
+                      <a:schemeClr val="accent5">
+                        <a:lumMod val="75000"/>
+                      </a:schemeClr>
+                    </a:solidFill>
+                  </a:rPr>
+                  <a:t>post(</a:t>
+                </a:r>
+                <a:r>
+                  <a:rPr lang="en-US" sz="1200" dirty="0" err="1" smtClean="0">
+                    <a:solidFill>
+                      <a:schemeClr val="accent5">
+                        <a:lumMod val="75000"/>
+                      </a:schemeClr>
+                    </a:solidFill>
+                  </a:rPr>
+                  <a:t>ChangeThemeEvent</a:t>
+                </a:r>
+                <a:r>
+                  <a:rPr lang="en-US" sz="1200" dirty="0" smtClean="0">
+                    <a:solidFill>
+                      <a:schemeClr val="accent5">
+                        <a:lumMod val="75000"/>
+                      </a:schemeClr>
+                    </a:solidFill>
+                  </a:rPr>
+                  <a:t>)</a:t>
+                </a:r>
+                <a:endParaRPr lang="en-US" sz="1200" dirty="0">
+                  <a:solidFill>
+                    <a:schemeClr val="accent5">
+                      <a:lumMod val="75000"/>
+                    </a:schemeClr>
+                  </a:solidFill>
+                </a:endParaRPr>
+              </a:p>
+            </p:txBody>
+          </p:sp>
+          <p:cxnSp>
+            <p:nvCxnSpPr>
+              <p:cNvPr id="20" name="Straight Arrow Connector 19"/>
+              <p:cNvCxnSpPr/>
+              <p:nvPr/>
+            </p:nvCxnSpPr>
+            <p:spPr>
+              <a:xfrm>
+                <a:off x="4029016" y="2263988"/>
+                <a:ext cx="1871846" cy="0"/>
+              </a:xfrm>
+              <a:prstGeom prst="straightConnector1">
+                <a:avLst/>
+              </a:prstGeom>
+              <a:ln w="19050">
+                <a:solidFill>
+                  <a:srgbClr val="7030A0"/>
+                </a:solidFill>
+                <a:prstDash val="sysDash"/>
+                <a:headEnd type="arrow" w="med" len="med"/>
+                <a:tailEnd type="none" w="med" len="med"/>
+              </a:ln>
+            </p:spPr>
+            <p:style>
+              <a:lnRef idx="1">
+                <a:schemeClr val="accent1"/>
+              </a:lnRef>
+              <a:fillRef idx="0">
+                <a:schemeClr val="accent1"/>
+              </a:fillRef>
+              <a:effectRef idx="0">
+                <a:schemeClr val="accent1"/>
+              </a:effectRef>
+              <a:fontRef idx="minor">
+                <a:schemeClr val="tx1"/>
+              </a:fontRef>
+            </p:style>
+          </p:cxnSp>
+          <p:cxnSp>
+            <p:nvCxnSpPr>
+              <p:cNvPr id="21" name="Straight Arrow Connector 20"/>
+              <p:cNvCxnSpPr/>
+              <p:nvPr/>
+            </p:nvCxnSpPr>
+            <p:spPr>
+              <a:xfrm>
+                <a:off x="1929333" y="2342201"/>
+                <a:ext cx="1934378" cy="0"/>
+              </a:xfrm>
+              <a:prstGeom prst="straightConnector1">
+                <a:avLst/>
+              </a:prstGeom>
+              <a:ln w="19050">
+                <a:solidFill>
+                  <a:srgbClr val="0070C0"/>
+                </a:solidFill>
+                <a:prstDash val="sysDash"/>
+                <a:headEnd type="arrow" w="med" len="med"/>
+                <a:tailEnd type="none" w="med" len="med"/>
+              </a:ln>
+            </p:spPr>
+            <p:style>
+              <a:lnRef idx="1">
+                <a:schemeClr val="accent1"/>
+              </a:lnRef>
+              <a:fillRef idx="0">
+                <a:schemeClr val="accent1"/>
+              </a:fillRef>
+              <a:effectRef idx="0">
+                <a:schemeClr val="accent1"/>
+              </a:effectRef>
+              <a:fontRef idx="minor">
+                <a:schemeClr val="tx1"/>
+              </a:fontRef>
+            </p:style>
+          </p:cxnSp>
+          <p:cxnSp>
+            <p:nvCxnSpPr>
+              <p:cNvPr id="22" name="Straight Arrow Connector 21"/>
+              <p:cNvCxnSpPr>
+                <a:endCxn id="4" idx="2"/>
+              </p:cNvCxnSpPr>
+              <p:nvPr/>
+            </p:nvCxnSpPr>
+            <p:spPr>
+              <a:xfrm>
+                <a:off x="320326" y="2438399"/>
+                <a:ext cx="1533929" cy="0"/>
+              </a:xfrm>
+              <a:prstGeom prst="straightConnector1">
+                <a:avLst/>
+              </a:prstGeom>
+              <a:ln w="19050">
+                <a:solidFill>
+                  <a:srgbClr val="00B050"/>
+                </a:solidFill>
+                <a:prstDash val="sysDash"/>
+                <a:headEnd type="arrow" w="med" len="med"/>
+                <a:tailEnd type="none" w="med" len="med"/>
+              </a:ln>
+            </p:spPr>
+            <p:style>
+              <a:lnRef idx="1">
+                <a:schemeClr val="accent1"/>
+              </a:lnRef>
+              <a:fillRef idx="0">
+                <a:schemeClr val="accent1"/>
+              </a:fillRef>
+              <a:effectRef idx="0">
+                <a:schemeClr val="accent1"/>
+              </a:effectRef>
+              <a:fontRef idx="minor">
+                <a:schemeClr val="tx1"/>
+              </a:fontRef>
+            </p:style>
+          </p:cxnSp>
+          <p:sp>
+            <p:nvSpPr>
+              <p:cNvPr id="23" name="Rectangle 62"/>
+              <p:cNvSpPr/>
+              <p:nvPr/>
+            </p:nvSpPr>
+            <p:spPr>
+              <a:xfrm>
+                <a:off x="7682775" y="597544"/>
+                <a:ext cx="1397478" cy="346760"/>
+              </a:xfrm>
+              <a:prstGeom prst="rect">
+                <a:avLst/>
+              </a:prstGeom>
+              <a:solidFill>
+                <a:schemeClr val="accent5">
+                  <a:lumMod val="75000"/>
+                </a:schemeClr>
+              </a:solidFill>
+              <a:ln w="19050">
+                <a:solidFill>
+                  <a:schemeClr val="accent5">
+                    <a:lumMod val="75000"/>
+                  </a:schemeClr>
+                </a:solidFill>
+              </a:ln>
+              <a:effectLst/>
+            </p:spPr>
+            <p:style>
+              <a:lnRef idx="1">
+                <a:schemeClr val="accent2"/>
+              </a:lnRef>
+              <a:fillRef idx="2">
+                <a:schemeClr val="accent2"/>
+              </a:fillRef>
+              <a:effectRef idx="1">
+                <a:schemeClr val="accent2"/>
+              </a:effectRef>
+              <a:fontRef idx="minor">
+                <a:schemeClr val="dk1"/>
+              </a:fontRef>
+            </p:style>
+            <p:txBody>
+              <a:bodyPr rtlCol="0" anchor="ctr"/>
+              <a:lstStyle/>
+              <a:p>
+                <a:pPr algn="ctr"/>
+                <a:r>
+                  <a:rPr lang="en-US" sz="1200" dirty="0" smtClean="0">
+                    <a:solidFill>
+                      <a:schemeClr val="bg1"/>
+                    </a:solidFill>
+                  </a:rPr>
+                  <a:t>:</a:t>
+                </a:r>
+                <a:r>
+                  <a:rPr lang="en-US" sz="1200" dirty="0" err="1" smtClean="0">
+                    <a:solidFill>
+                      <a:schemeClr val="bg1"/>
+                    </a:solidFill>
+                  </a:rPr>
+                  <a:t>EventsCenter</a:t>
+                </a:r>
+                <a:endParaRPr lang="en-SG" sz="1200" dirty="0">
+                  <a:solidFill>
+                    <a:schemeClr val="bg1"/>
+                  </a:solidFill>
+                </a:endParaRPr>
+              </a:p>
+            </p:txBody>
+          </p:sp>
+          <p:cxnSp>
+            <p:nvCxnSpPr>
+              <p:cNvPr id="24" name="Straight Connector 23"/>
+              <p:cNvCxnSpPr/>
+              <p:nvPr/>
+            </p:nvCxnSpPr>
+            <p:spPr>
+              <a:xfrm>
+                <a:off x="8540144" y="954685"/>
+                <a:ext cx="0" cy="1723059"/>
+              </a:xfrm>
+              <a:prstGeom prst="line">
+                <a:avLst/>
+              </a:prstGeom>
+              <a:ln w="19050">
+                <a:solidFill>
+                  <a:schemeClr val="accent5">
+                    <a:lumMod val="75000"/>
+                  </a:schemeClr>
+                </a:solidFill>
+                <a:prstDash val="sysDash"/>
+              </a:ln>
+              <a:effectLst/>
+            </p:spPr>
+            <p:style>
+              <a:lnRef idx="1">
+                <a:schemeClr val="accent1"/>
+              </a:lnRef>
+              <a:fillRef idx="2">
+                <a:schemeClr val="accent1"/>
+              </a:fillRef>
+              <a:effectRef idx="1">
+                <a:schemeClr val="accent1"/>
+              </a:effectRef>
+              <a:fontRef idx="minor">
+                <a:schemeClr val="dk1"/>
+              </a:fontRef>
+            </p:style>
+          </p:cxnSp>
+          <p:sp>
+            <p:nvSpPr>
+              <p:cNvPr id="25" name="Rectangle 24"/>
+              <p:cNvSpPr/>
+              <p:nvPr/>
+            </p:nvSpPr>
+            <p:spPr>
+              <a:xfrm>
+                <a:off x="8448769" y="1958804"/>
+                <a:ext cx="182749" cy="230997"/>
+              </a:xfrm>
+              <a:prstGeom prst="rect">
+                <a:avLst/>
+              </a:prstGeom>
+              <a:solidFill>
+                <a:schemeClr val="accent5">
+                  <a:lumMod val="75000"/>
+                </a:schemeClr>
+              </a:solidFill>
+              <a:ln>
+                <a:solidFill>
+                  <a:schemeClr val="accent5">
+                    <a:lumMod val="75000"/>
+                  </a:schemeClr>
+                </a:solidFill>
+              </a:ln>
+              <a:effectLst/>
+            </p:spPr>
+            <p:style>
+              <a:lnRef idx="1">
+                <a:schemeClr val="accent3"/>
+              </a:lnRef>
+              <a:fillRef idx="2">
+                <a:schemeClr val="accent3"/>
+              </a:fillRef>
+              <a:effectRef idx="1">
+                <a:schemeClr val="accent3"/>
+              </a:effectRef>
+              <a:fontRef idx="minor">
+                <a:schemeClr val="dk1"/>
+              </a:fontRef>
+            </p:style>
+            <p:txBody>
+              <a:bodyPr rtlCol="0" anchor="ctr"/>
+              <a:lstStyle/>
+              <a:p>
+                <a:pPr algn="ctr"/>
+                <a:endParaRPr lang="en-SG" sz="1400">
+                  <a:solidFill>
+                    <a:schemeClr val="dk1"/>
+                  </a:solidFill>
+                </a:endParaRPr>
+              </a:p>
+            </p:txBody>
+          </p:sp>
+          <p:cxnSp>
+            <p:nvCxnSpPr>
+              <p:cNvPr id="26" name="Straight Arrow Connector 25"/>
+              <p:cNvCxnSpPr/>
+              <p:nvPr/>
+            </p:nvCxnSpPr>
+            <p:spPr>
+              <a:xfrm flipV="1">
+                <a:off x="6056137" y="1958804"/>
+                <a:ext cx="2392632" cy="2397"/>
+              </a:xfrm>
+              <a:prstGeom prst="straightConnector1">
+                <a:avLst/>
+              </a:prstGeom>
+              <a:ln w="19050">
+                <a:solidFill>
+                  <a:srgbClr val="7030A0"/>
+                </a:solidFill>
+                <a:tailEnd type="arrow"/>
+              </a:ln>
+            </p:spPr>
+            <p:style>
+              <a:lnRef idx="1">
+                <a:schemeClr val="accent1"/>
+              </a:lnRef>
+              <a:fillRef idx="0">
+                <a:schemeClr val="accent1"/>
+              </a:fillRef>
+              <a:effectRef idx="0">
+                <a:schemeClr val="accent1"/>
+              </a:effectRef>
+              <a:fontRef idx="minor">
+                <a:schemeClr val="tx1"/>
+              </a:fontRef>
+            </p:style>
+          </p:cxnSp>
+          <p:cxnSp>
+            <p:nvCxnSpPr>
+              <p:cNvPr id="27" name="Straight Arrow Connector 26"/>
+              <p:cNvCxnSpPr>
+                <a:endCxn id="28" idx="2"/>
+              </p:cNvCxnSpPr>
+              <p:nvPr/>
+            </p:nvCxnSpPr>
+            <p:spPr>
+              <a:xfrm>
+                <a:off x="6056137" y="2189801"/>
+                <a:ext cx="2484007" cy="0"/>
+              </a:xfrm>
+              <a:prstGeom prst="straightConnector1">
+                <a:avLst/>
+              </a:prstGeom>
+              <a:ln w="19050">
+                <a:solidFill>
+                  <a:schemeClr val="accent5">
+                    <a:lumMod val="75000"/>
+                  </a:schemeClr>
+                </a:solidFill>
+                <a:prstDash val="sysDash"/>
+                <a:headEnd type="arrow" w="med" len="med"/>
+                <a:tailEnd type="none" w="med" len="med"/>
+              </a:ln>
+            </p:spPr>
+            <p:style>
+              <a:lnRef idx="1">
+                <a:schemeClr val="accent1"/>
+              </a:lnRef>
+              <a:fillRef idx="0">
+                <a:schemeClr val="accent1"/>
+              </a:fillRef>
+              <a:effectRef idx="0">
+                <a:schemeClr val="accent1"/>
+              </a:effectRef>
+              <a:fontRef idx="minor">
+                <a:schemeClr val="tx1"/>
+              </a:fontRef>
+            </p:style>
+          </p:cxnSp>
+          <p:cxnSp>
+            <p:nvCxnSpPr>
+              <p:cNvPr id="28" name="Straight Connector 27"/>
+              <p:cNvCxnSpPr/>
+              <p:nvPr/>
+            </p:nvCxnSpPr>
+            <p:spPr>
+              <a:xfrm flipH="1">
+                <a:off x="314394" y="1099673"/>
+                <a:ext cx="25" cy="1598670"/>
+              </a:xfrm>
+              <a:prstGeom prst="line">
+                <a:avLst/>
+              </a:prstGeom>
+              <a:ln w="19050">
+                <a:solidFill>
+                  <a:schemeClr val="tx1"/>
+                </a:solidFill>
+                <a:prstDash val="sysDash"/>
+              </a:ln>
+              <a:effectLst/>
+            </p:spPr>
+            <p:style>
+              <a:lnRef idx="1">
+                <a:schemeClr val="accent1"/>
+              </a:lnRef>
+              <a:fillRef idx="2">
+                <a:schemeClr val="accent1"/>
+              </a:fillRef>
+              <a:effectRef idx="1">
+                <a:schemeClr val="accent1"/>
+              </a:effectRef>
+              <a:fontRef idx="minor">
+                <a:schemeClr val="dk1"/>
+              </a:fontRef>
+            </p:style>
+          </p:cxnSp>
+        </p:grpSp>
+        <p:sp>
+          <p:nvSpPr>
+            <p:cNvPr id="33" name="Rectangle 62"/>
+            <p:cNvSpPr/>
+            <p:nvPr/>
+          </p:nvSpPr>
+          <p:spPr>
+            <a:xfrm>
+              <a:off x="1954366" y="3766840"/>
+              <a:ext cx="1093634" cy="346760"/>
+            </a:xfrm>
+            <a:prstGeom prst="rect">
+              <a:avLst/>
+            </a:prstGeom>
+            <a:solidFill>
+              <a:srgbClr val="00B050"/>
+            </a:solidFill>
+            <a:ln w="19050">
+              <a:solidFill>
+                <a:srgbClr val="00B050"/>
+              </a:solidFill>
+            </a:ln>
+            <a:effectLst/>
+          </p:spPr>
+          <p:style>
+            <a:lnRef idx="1">
+              <a:schemeClr val="accent2"/>
+            </a:lnRef>
+            <a:fillRef idx="2">
+              <a:schemeClr val="accent2"/>
+            </a:fillRef>
+            <a:effectRef idx="1">
+              <a:schemeClr val="accent2"/>
+            </a:effectRef>
+            <a:fontRef idx="minor">
+              <a:schemeClr val="dk1"/>
+            </a:fontRef>
+          </p:style>
+          <p:txBody>
+            <a:bodyPr rtlCol="0" anchor="ctr"/>
+            <a:lstStyle/>
+            <a:p>
+              <a:pPr algn="ctr"/>
+              <a:r>
+                <a:rPr lang="en-US" sz="1200" dirty="0" smtClean="0">
+                  <a:solidFill>
+                    <a:schemeClr val="bg1"/>
+                  </a:solidFill>
+                </a:rPr>
+                <a:t>:UI</a:t>
+              </a:r>
+              <a:endParaRPr lang="en-SG" sz="1200" dirty="0">
+                <a:solidFill>
+                  <a:schemeClr val="bg1"/>
+                </a:solidFill>
+              </a:endParaRPr>
+            </a:p>
+          </p:txBody>
+        </p:sp>
+        <p:cxnSp>
+          <p:nvCxnSpPr>
+            <p:cNvPr id="34" name="Straight Connector 33"/>
+            <p:cNvCxnSpPr/>
+            <p:nvPr/>
+          </p:nvCxnSpPr>
+          <p:spPr>
+            <a:xfrm>
+              <a:off x="2461326" y="4113600"/>
+              <a:ext cx="0" cy="1728000"/>
+            </a:xfrm>
+            <a:prstGeom prst="line">
+              <a:avLst/>
+            </a:prstGeom>
+            <a:ln w="19050">
+              <a:solidFill>
+                <a:srgbClr val="00B050"/>
+              </a:solidFill>
+              <a:prstDash val="sysDash"/>
+            </a:ln>
+            <a:effectLst/>
+          </p:spPr>
+          <p:style>
+            <a:lnRef idx="1">
+              <a:schemeClr val="accent1"/>
+            </a:lnRef>
+            <a:fillRef idx="2">
+              <a:schemeClr val="accent1"/>
+            </a:fillRef>
+            <a:effectRef idx="1">
+              <a:schemeClr val="accent1"/>
+            </a:effectRef>
+            <a:fontRef idx="minor">
+              <a:schemeClr val="dk1"/>
+            </a:fontRef>
+          </p:style>
+        </p:cxnSp>
+        <p:sp>
+          <p:nvSpPr>
+            <p:cNvPr id="35" name="Rectangle 34"/>
+            <p:cNvSpPr/>
+            <p:nvPr/>
+          </p:nvSpPr>
+          <p:spPr>
+            <a:xfrm>
+              <a:off x="2389326" y="4877004"/>
+              <a:ext cx="144000" cy="720000"/>
+            </a:xfrm>
+            <a:prstGeom prst="rect">
+              <a:avLst/>
+            </a:prstGeom>
+            <a:solidFill>
+              <a:srgbClr val="00B050"/>
+            </a:solidFill>
+            <a:ln>
+              <a:solidFill>
+                <a:srgbClr val="00B050"/>
+              </a:solidFill>
+            </a:ln>
+            <a:effectLst/>
+          </p:spPr>
+          <p:style>
+            <a:lnRef idx="1">
+              <a:schemeClr val="accent3"/>
+            </a:lnRef>
+            <a:fillRef idx="2">
+              <a:schemeClr val="accent3"/>
+            </a:fillRef>
+            <a:effectRef idx="1">
+              <a:schemeClr val="accent3"/>
+            </a:effectRef>
+            <a:fontRef idx="minor">
+              <a:schemeClr val="dk1"/>
+            </a:fontRef>
+          </p:style>
+          <p:txBody>
+            <a:bodyPr rtlCol="0" anchor="ctr"/>
+            <a:lstStyle/>
+            <a:p>
+              <a:pPr algn="ctr"/>
+              <a:endParaRPr lang="en-SG" sz="1400">
+                <a:solidFill>
+                  <a:schemeClr val="dk1"/>
+                </a:solidFill>
+              </a:endParaRPr>
+            </a:p>
+          </p:txBody>
+        </p:sp>
+        <p:sp>
+          <p:nvSpPr>
+            <p:cNvPr id="36" name="Rectangle 62"/>
+            <p:cNvSpPr/>
+            <p:nvPr/>
+          </p:nvSpPr>
+          <p:spPr>
+            <a:xfrm>
+              <a:off x="5939799" y="3766840"/>
+              <a:ext cx="1371600" cy="346760"/>
+            </a:xfrm>
+            <a:prstGeom prst="rect">
+              <a:avLst/>
+            </a:prstGeom>
+            <a:solidFill>
+              <a:schemeClr val="accent5">
+                <a:lumMod val="75000"/>
+              </a:schemeClr>
+            </a:solidFill>
+            <a:ln w="19050">
+              <a:solidFill>
+                <a:schemeClr val="accent5">
+                  <a:lumMod val="75000"/>
+                </a:schemeClr>
+              </a:solidFill>
+            </a:ln>
+            <a:effectLst/>
+          </p:spPr>
+          <p:style>
+            <a:lnRef idx="1">
+              <a:schemeClr val="accent2"/>
+            </a:lnRef>
+            <a:fillRef idx="2">
+              <a:schemeClr val="accent2"/>
+            </a:fillRef>
+            <a:effectRef idx="1">
+              <a:schemeClr val="accent2"/>
+            </a:effectRef>
+            <a:fontRef idx="minor">
+              <a:schemeClr val="dk1"/>
+            </a:fontRef>
+          </p:style>
+          <p:txBody>
+            <a:bodyPr rtlCol="0" anchor="ctr"/>
+            <a:lstStyle/>
+            <a:p>
+              <a:pPr algn="ctr"/>
+              <a:r>
+                <a:rPr lang="en-US" sz="1200" dirty="0" smtClean="0">
+                  <a:solidFill>
+                    <a:schemeClr val="bg1"/>
+                  </a:solidFill>
+                </a:rPr>
+                <a:t>:</a:t>
+              </a:r>
+              <a:r>
+                <a:rPr lang="en-US" sz="1200" dirty="0" err="1" smtClean="0">
+                  <a:solidFill>
+                    <a:schemeClr val="bg1"/>
+                  </a:solidFill>
+                </a:rPr>
+                <a:t>EventsCenter</a:t>
+              </a:r>
+              <a:endParaRPr lang="en-SG" sz="1200" dirty="0">
+                <a:solidFill>
+                  <a:schemeClr val="bg1"/>
+                </a:solidFill>
+              </a:endParaRPr>
+            </a:p>
+          </p:txBody>
+        </p:sp>
+        <p:cxnSp>
+          <p:nvCxnSpPr>
+            <p:cNvPr id="37" name="Straight Connector 36"/>
+            <p:cNvCxnSpPr/>
+            <p:nvPr/>
+          </p:nvCxnSpPr>
+          <p:spPr>
+            <a:xfrm>
+              <a:off x="6785493" y="4095819"/>
+              <a:ext cx="0" cy="1872000"/>
+            </a:xfrm>
+            <a:prstGeom prst="line">
+              <a:avLst/>
+            </a:prstGeom>
+            <a:ln w="19050">
+              <a:solidFill>
+                <a:schemeClr val="accent5">
+                  <a:lumMod val="75000"/>
+                </a:schemeClr>
+              </a:solidFill>
+              <a:prstDash val="sysDash"/>
+            </a:ln>
+            <a:effectLst/>
+          </p:spPr>
+          <p:style>
+            <a:lnRef idx="1">
+              <a:schemeClr val="accent1"/>
+            </a:lnRef>
+            <a:fillRef idx="2">
+              <a:schemeClr val="accent1"/>
+            </a:fillRef>
+            <a:effectRef idx="1">
+              <a:schemeClr val="accent1"/>
+            </a:effectRef>
+            <a:fontRef idx="minor">
+              <a:schemeClr val="dk1"/>
+            </a:fontRef>
+          </p:style>
+        </p:cxnSp>
+        <p:sp>
+          <p:nvSpPr>
+            <p:cNvPr id="38" name="Rectangle 37"/>
+            <p:cNvSpPr/>
+            <p:nvPr/>
+          </p:nvSpPr>
+          <p:spPr>
+            <a:xfrm>
+              <a:off x="6713493" y="4552902"/>
+              <a:ext cx="144000" cy="1188000"/>
+            </a:xfrm>
+            <a:prstGeom prst="rect">
+              <a:avLst/>
+            </a:prstGeom>
+            <a:solidFill>
+              <a:schemeClr val="accent5">
+                <a:lumMod val="75000"/>
+              </a:schemeClr>
+            </a:solidFill>
+            <a:ln>
+              <a:solidFill>
+                <a:schemeClr val="accent5">
+                  <a:lumMod val="75000"/>
+                </a:schemeClr>
+              </a:solidFill>
+            </a:ln>
+            <a:effectLst/>
+          </p:spPr>
+          <p:style>
+            <a:lnRef idx="1">
+              <a:schemeClr val="accent3"/>
+            </a:lnRef>
+            <a:fillRef idx="2">
+              <a:schemeClr val="accent3"/>
+            </a:fillRef>
+            <a:effectRef idx="1">
+              <a:schemeClr val="accent3"/>
+            </a:effectRef>
+            <a:fontRef idx="minor">
+              <a:schemeClr val="dk1"/>
+            </a:fontRef>
+          </p:style>
+          <p:txBody>
+            <a:bodyPr rtlCol="0" anchor="ctr"/>
+            <a:lstStyle/>
+            <a:p>
+              <a:pPr algn="ctr"/>
+              <a:endParaRPr lang="en-SG" sz="1400">
+                <a:solidFill>
+                  <a:schemeClr val="dk1"/>
+                </a:solidFill>
+              </a:endParaRPr>
+            </a:p>
+          </p:txBody>
+        </p:sp>
+        <p:sp>
+          <p:nvSpPr>
+            <p:cNvPr id="39" name="Rectangle 62"/>
+            <p:cNvSpPr/>
+            <p:nvPr/>
+          </p:nvSpPr>
+          <p:spPr>
+            <a:xfrm>
+              <a:off x="4078349" y="3766840"/>
+              <a:ext cx="1093634" cy="346760"/>
+            </a:xfrm>
+            <a:prstGeom prst="rect">
+              <a:avLst/>
+            </a:prstGeom>
+            <a:solidFill>
+              <a:srgbClr val="7030A0"/>
+            </a:solidFill>
+            <a:ln w="19050">
+              <a:solidFill>
+                <a:srgbClr val="7030A0"/>
+              </a:solidFill>
+            </a:ln>
+            <a:effectLst/>
+          </p:spPr>
+          <p:style>
+            <a:lnRef idx="1">
+              <a:schemeClr val="accent2"/>
+            </a:lnRef>
+            <a:fillRef idx="2">
+              <a:schemeClr val="accent2"/>
+            </a:fillRef>
+            <a:effectRef idx="1">
+              <a:schemeClr val="accent2"/>
+            </a:effectRef>
+            <a:fontRef idx="minor">
+              <a:schemeClr val="dk1"/>
+            </a:fontRef>
+          </p:style>
+          <p:txBody>
+            <a:bodyPr rtlCol="0" anchor="ctr"/>
+            <a:lstStyle/>
+            <a:p>
+              <a:pPr algn="ctr"/>
+              <a:r>
+                <a:rPr lang="en-US" sz="1200" dirty="0" smtClean="0">
+                  <a:solidFill>
+                    <a:schemeClr val="bg1"/>
+                  </a:solidFill>
+                </a:rPr>
+                <a:t>:Model</a:t>
+              </a:r>
+              <a:endParaRPr lang="en-SG" sz="1200" dirty="0">
+                <a:solidFill>
+                  <a:schemeClr val="bg1"/>
+                </a:solidFill>
+              </a:endParaRPr>
+            </a:p>
+          </p:txBody>
+        </p:sp>
+        <p:cxnSp>
+          <p:nvCxnSpPr>
+            <p:cNvPr id="40" name="Straight Connector 39"/>
+            <p:cNvCxnSpPr/>
+            <p:nvPr/>
+          </p:nvCxnSpPr>
+          <p:spPr>
+            <a:xfrm>
+              <a:off x="4625166" y="4130512"/>
+              <a:ext cx="0" cy="1723058"/>
+            </a:xfrm>
+            <a:prstGeom prst="line">
+              <a:avLst/>
+            </a:prstGeom>
+            <a:ln w="19050">
+              <a:solidFill>
+                <a:srgbClr val="7030A0"/>
+              </a:solidFill>
+              <a:prstDash val="sysDash"/>
+            </a:ln>
+            <a:effectLst/>
+          </p:spPr>
+          <p:style>
+            <a:lnRef idx="1">
+              <a:schemeClr val="accent1"/>
+            </a:lnRef>
+            <a:fillRef idx="2">
+              <a:schemeClr val="accent1"/>
+            </a:fillRef>
+            <a:effectRef idx="1">
+              <a:schemeClr val="accent1"/>
+            </a:effectRef>
+            <a:fontRef idx="minor">
+              <a:schemeClr val="dk1"/>
+            </a:fontRef>
+          </p:style>
+        </p:cxnSp>
+        <p:sp>
+          <p:nvSpPr>
+            <p:cNvPr id="42" name="TextBox 41"/>
+            <p:cNvSpPr txBox="1"/>
+            <p:nvPr/>
+          </p:nvSpPr>
+          <p:spPr>
+            <a:xfrm>
+              <a:off x="4925140" y="4262700"/>
+              <a:ext cx="2314054" cy="184666"/>
+            </a:xfrm>
+            <a:prstGeom prst="rect">
+              <a:avLst/>
+            </a:prstGeom>
+            <a:noFill/>
+          </p:spPr>
+          <p:txBody>
+            <a:bodyPr wrap="square" lIns="0" tIns="0" rIns="0" bIns="0" rtlCol="0">
+              <a:spAutoFit/>
+            </a:bodyPr>
+            <a:lstStyle/>
+            <a:p>
+              <a:r>
+                <a:rPr lang="en-US" sz="1200" dirty="0" smtClean="0">
+                  <a:solidFill>
+                    <a:schemeClr val="accent5">
+                      <a:lumMod val="75000"/>
+                    </a:schemeClr>
+                  </a:solidFill>
+                </a:rPr>
+                <a:t>post(</a:t>
+              </a:r>
+              <a:r>
+                <a:rPr lang="en-US" sz="1200" dirty="0" err="1" smtClean="0">
+                  <a:solidFill>
+                    <a:schemeClr val="accent5">
+                      <a:lumMod val="75000"/>
+                    </a:schemeClr>
+                  </a:solidFill>
+                </a:rPr>
+                <a:t>ChangeThemeEvent</a:t>
+              </a:r>
+              <a:r>
+                <a:rPr lang="en-US" sz="1200" dirty="0" smtClean="0">
+                  <a:solidFill>
+                    <a:schemeClr val="accent5">
+                      <a:lumMod val="75000"/>
+                    </a:schemeClr>
+                  </a:solidFill>
+                </a:rPr>
+                <a:t>)</a:t>
+              </a:r>
+              <a:endParaRPr lang="en-US" sz="1200" dirty="0">
+                <a:solidFill>
+                  <a:schemeClr val="accent5">
+                    <a:lumMod val="75000"/>
+                  </a:schemeClr>
+                </a:solidFill>
+              </a:endParaRPr>
+            </a:p>
+          </p:txBody>
+        </p:sp>
+        <p:cxnSp>
+          <p:nvCxnSpPr>
+            <p:cNvPr id="43" name="Straight Arrow Connector 42"/>
+            <p:cNvCxnSpPr/>
+            <p:nvPr/>
+          </p:nvCxnSpPr>
+          <p:spPr>
+            <a:xfrm flipV="1">
+              <a:off x="5049092" y="4552902"/>
+              <a:ext cx="1656000" cy="2397"/>
+            </a:xfrm>
+            <a:prstGeom prst="straightConnector1">
+              <a:avLst/>
+            </a:prstGeom>
+            <a:ln w="19050">
+              <a:solidFill>
+                <a:srgbClr val="7030A0"/>
+              </a:solidFill>
+              <a:tailEnd type="arrow"/>
+            </a:ln>
+          </p:spPr>
+          <p:style>
+            <a:lnRef idx="1">
+              <a:schemeClr val="accent1"/>
+            </a:lnRef>
+            <a:fillRef idx="0">
+              <a:schemeClr val="accent1"/>
+            </a:fillRef>
+            <a:effectRef idx="0">
+              <a:schemeClr val="accent1"/>
+            </a:effectRef>
+            <a:fontRef idx="minor">
+              <a:schemeClr val="tx1"/>
+            </a:fontRef>
+          </p:style>
+        </p:cxnSp>
+        <p:cxnSp>
+          <p:nvCxnSpPr>
+            <p:cNvPr id="44" name="Straight Arrow Connector 43"/>
+            <p:cNvCxnSpPr/>
+            <p:nvPr/>
+          </p:nvCxnSpPr>
+          <p:spPr>
+            <a:xfrm rot="10800000">
+              <a:off x="2514586" y="4890465"/>
+              <a:ext cx="4212000" cy="0"/>
+            </a:xfrm>
+            <a:prstGeom prst="straightConnector1">
+              <a:avLst/>
+            </a:prstGeom>
+            <a:ln w="19050">
+              <a:solidFill>
+                <a:srgbClr val="31859C"/>
+              </a:solidFill>
+              <a:tailEnd type="arrow"/>
+            </a:ln>
+          </p:spPr>
+          <p:style>
+            <a:lnRef idx="1">
+              <a:schemeClr val="accent1"/>
+            </a:lnRef>
+            <a:fillRef idx="0">
+              <a:schemeClr val="accent1"/>
+            </a:fillRef>
+            <a:effectRef idx="0">
+              <a:schemeClr val="accent1"/>
+            </a:effectRef>
+            <a:fontRef idx="minor">
+              <a:schemeClr val="tx1"/>
+            </a:fontRef>
+          </p:style>
+        </p:cxnSp>
+        <p:sp>
+          <p:nvSpPr>
+            <p:cNvPr id="45" name="Rectangle 44"/>
+            <p:cNvSpPr/>
+            <p:nvPr/>
+          </p:nvSpPr>
+          <p:spPr>
+            <a:xfrm>
+              <a:off x="4553814" y="5027153"/>
+              <a:ext cx="135061" cy="324000"/>
+            </a:xfrm>
+            <a:prstGeom prst="rect">
+              <a:avLst/>
+            </a:prstGeom>
+            <a:solidFill>
+              <a:srgbClr val="7030A0"/>
+            </a:solidFill>
+            <a:ln>
+              <a:solidFill>
+                <a:srgbClr val="7030A0"/>
+              </a:solidFill>
+            </a:ln>
+            <a:effectLst/>
+          </p:spPr>
+          <p:style>
+            <a:lnRef idx="1">
+              <a:schemeClr val="accent3"/>
+            </a:lnRef>
+            <a:fillRef idx="2">
+              <a:schemeClr val="accent3"/>
+            </a:fillRef>
+            <a:effectRef idx="1">
+              <a:schemeClr val="accent3"/>
+            </a:effectRef>
+            <a:fontRef idx="minor">
+              <a:schemeClr val="dk1"/>
+            </a:fontRef>
+          </p:style>
+          <p:txBody>
+            <a:bodyPr rtlCol="0" anchor="ctr"/>
+            <a:lstStyle/>
+            <a:p>
+              <a:pPr algn="ctr"/>
+              <a:endParaRPr lang="en-SG" sz="1400">
+                <a:solidFill>
+                  <a:schemeClr val="dk1"/>
+                </a:solidFill>
+              </a:endParaRPr>
+            </a:p>
+          </p:txBody>
+        </p:sp>
+        <p:sp>
+          <p:nvSpPr>
+            <p:cNvPr id="46" name="Rectangle 45"/>
+            <p:cNvSpPr/>
+            <p:nvPr/>
+          </p:nvSpPr>
+          <p:spPr>
+            <a:xfrm>
+              <a:off x="4628988" y="5165004"/>
+              <a:ext cx="135061" cy="144000"/>
+            </a:xfrm>
+            <a:prstGeom prst="rect">
+              <a:avLst/>
+            </a:prstGeom>
+            <a:solidFill>
+              <a:srgbClr val="7030A0"/>
+            </a:solidFill>
+            <a:ln>
+              <a:solidFill>
+                <a:schemeClr val="bg1"/>
+              </a:solidFill>
+            </a:ln>
+            <a:effectLst/>
+          </p:spPr>
+          <p:style>
+            <a:lnRef idx="1">
+              <a:schemeClr val="accent3"/>
+            </a:lnRef>
+            <a:fillRef idx="2">
+              <a:schemeClr val="accent3"/>
+            </a:fillRef>
+            <a:effectRef idx="1">
+              <a:schemeClr val="accent3"/>
+            </a:effectRef>
+            <a:fontRef idx="minor">
+              <a:schemeClr val="dk1"/>
+            </a:fontRef>
+          </p:style>
+          <p:txBody>
+            <a:bodyPr rtlCol="0" anchor="ctr"/>
+            <a:lstStyle/>
+            <a:p>
+              <a:pPr algn="ctr"/>
+              <a:endParaRPr lang="en-SG" sz="1400" dirty="0">
+                <a:solidFill>
+                  <a:schemeClr val="dk1"/>
+                </a:solidFill>
+              </a:endParaRPr>
+            </a:p>
+          </p:txBody>
+        </p:sp>
+        <p:sp>
+          <p:nvSpPr>
+            <p:cNvPr id="47" name="Freeform 46"/>
+            <p:cNvSpPr/>
+            <p:nvPr/>
+          </p:nvSpPr>
+          <p:spPr>
+            <a:xfrm rot="18999002" flipV="1">
+              <a:off x="4794802" y="5153488"/>
+              <a:ext cx="167452" cy="116880"/>
+            </a:xfrm>
+            <a:custGeom>
+              <a:avLst/>
+              <a:gdLst>
+                <a:gd name="connsiteX0" fmla="*/ 0 w 226400"/>
+                <a:gd name="connsiteY0" fmla="*/ 32920 h 171466"/>
+                <a:gd name="connsiteX1" fmla="*/ 157018 w 226400"/>
+                <a:gd name="connsiteY1" fmla="*/ 5211 h 171466"/>
+                <a:gd name="connsiteX2" fmla="*/ 221673 w 226400"/>
+                <a:gd name="connsiteY2" fmla="*/ 125284 h 171466"/>
+                <a:gd name="connsiteX3" fmla="*/ 36945 w 226400"/>
+                <a:gd name="connsiteY3" fmla="*/ 171466 h 171466"/>
+              </a:gdLst>
+              <a:ahLst/>
+              <a:cxnLst>
+                <a:cxn ang="0">
+                  <a:pos x="connsiteX0" y="connsiteY0"/>
+                </a:cxn>
+                <a:cxn ang="0">
+                  <a:pos x="connsiteX1" y="connsiteY1"/>
+                </a:cxn>
+                <a:cxn ang="0">
+                  <a:pos x="connsiteX2" y="connsiteY2"/>
+                </a:cxn>
+                <a:cxn ang="0">
+                  <a:pos x="connsiteX3" y="connsiteY3"/>
+                </a:cxn>
+              </a:cxnLst>
+              <a:rect l="l" t="t" r="r" b="b"/>
+              <a:pathLst>
+                <a:path w="226400" h="171466">
+                  <a:moveTo>
+                    <a:pt x="0" y="32920"/>
+                  </a:moveTo>
+                  <a:cubicBezTo>
+                    <a:pt x="60036" y="11368"/>
+                    <a:pt x="120073" y="-10183"/>
+                    <a:pt x="157018" y="5211"/>
+                  </a:cubicBezTo>
+                  <a:cubicBezTo>
+                    <a:pt x="193963" y="20605"/>
+                    <a:pt x="241685" y="97575"/>
+                    <a:pt x="221673" y="125284"/>
+                  </a:cubicBezTo>
+                  <a:cubicBezTo>
+                    <a:pt x="201661" y="152993"/>
+                    <a:pt x="119303" y="162229"/>
+                    <a:pt x="36945" y="171466"/>
+                  </a:cubicBezTo>
+                </a:path>
+              </a:pathLst>
+            </a:custGeom>
+            <a:ln w="19050">
+              <a:solidFill>
+                <a:srgbClr val="7030A0"/>
+              </a:solidFill>
+              <a:headEnd type="arrow" w="med" len="med"/>
+              <a:tailEnd type="none" w="med" len="med"/>
+            </a:ln>
+          </p:spPr>
+          <p:style>
+            <a:lnRef idx="1">
+              <a:schemeClr val="accent1"/>
+            </a:lnRef>
+            <a:fillRef idx="0">
+              <a:schemeClr val="accent1"/>
+            </a:fillRef>
+            <a:effectRef idx="0">
+              <a:schemeClr val="accent1"/>
+            </a:effectRef>
+            <a:fontRef idx="minor">
+              <a:schemeClr val="tx1"/>
+            </a:fontRef>
+          </p:style>
+          <p:txBody>
+            <a:bodyPr rtlCol="0" anchor="ctr"/>
+            <a:lstStyle/>
+            <a:p>
+              <a:pPr algn="ctr"/>
+              <a:endParaRPr lang="en-SG"/>
+            </a:p>
+          </p:txBody>
+        </p:sp>
+        <p:sp>
+          <p:nvSpPr>
+            <p:cNvPr id="48" name="TextBox 47"/>
+            <p:cNvSpPr txBox="1"/>
+            <p:nvPr/>
+          </p:nvSpPr>
+          <p:spPr>
+            <a:xfrm>
+              <a:off x="5042139" y="5027153"/>
+              <a:ext cx="1706496" cy="369332"/>
+            </a:xfrm>
+            <a:prstGeom prst="rect">
+              <a:avLst/>
+            </a:prstGeom>
+            <a:noFill/>
+          </p:spPr>
+          <p:txBody>
+            <a:bodyPr wrap="square" lIns="0" tIns="0" rIns="0" bIns="0" rtlCol="0">
+              <a:spAutoFit/>
+            </a:bodyPr>
+            <a:lstStyle/>
+            <a:p>
+              <a:r>
+                <a:rPr lang="en-US" sz="1200" dirty="0" err="1" smtClean="0">
+                  <a:solidFill>
+                    <a:srgbClr val="7030A0"/>
+                  </a:solidFill>
+                </a:rPr>
+                <a:t>Theme.change</a:t>
+              </a:r>
+              <a:endParaRPr lang="en-US" sz="1200" dirty="0" smtClean="0">
+                <a:solidFill>
+                  <a:srgbClr val="7030A0"/>
+                </a:solidFill>
+              </a:endParaRPr>
+            </a:p>
+            <a:p>
+              <a:r>
+                <a:rPr lang="en-US" sz="1200" dirty="0" smtClean="0">
+                  <a:solidFill>
+                    <a:srgbClr val="7030A0"/>
+                  </a:solidFill>
+                </a:rPr>
+                <a:t>Theme(</a:t>
+              </a:r>
+              <a:r>
+                <a:rPr lang="en-US" sz="1200" dirty="0" err="1" smtClean="0">
+                  <a:solidFill>
+                    <a:srgbClr val="7030A0"/>
+                  </a:solidFill>
+                </a:rPr>
+                <a:t>primaryStage</a:t>
+              </a:r>
+              <a:r>
+                <a:rPr lang="en-US" sz="1200" dirty="0" smtClean="0">
+                  <a:solidFill>
+                    <a:srgbClr val="7030A0"/>
+                  </a:solidFill>
+                </a:rPr>
+                <a:t>)</a:t>
+              </a:r>
+              <a:endParaRPr lang="en-US" sz="1200" dirty="0">
+                <a:solidFill>
+                  <a:srgbClr val="7030A0"/>
+                </a:solidFill>
+              </a:endParaRPr>
+            </a:p>
+          </p:txBody>
+        </p:sp>
+        <p:sp>
+          <p:nvSpPr>
+            <p:cNvPr id="49" name="Rectangle 48"/>
+            <p:cNvSpPr/>
+            <p:nvPr/>
+          </p:nvSpPr>
+          <p:spPr>
+            <a:xfrm>
+              <a:off x="2592547" y="4314119"/>
+              <a:ext cx="2024218" cy="461665"/>
+            </a:xfrm>
+            <a:prstGeom prst="rect">
+              <a:avLst/>
+            </a:prstGeom>
+          </p:spPr>
+          <p:txBody>
+            <a:bodyPr wrap="square">
+              <a:spAutoFit/>
+            </a:bodyPr>
+            <a:lstStyle/>
+            <a:p>
+              <a:r>
+                <a:rPr lang="en-US" sz="1200" dirty="0" err="1" smtClean="0">
+                  <a:solidFill>
+                    <a:srgbClr val="00B050"/>
+                  </a:solidFill>
+                </a:rPr>
+                <a:t>handleChange</a:t>
+              </a:r>
+              <a:endParaRPr lang="en-US" sz="1200" dirty="0" smtClean="0">
+                <a:solidFill>
+                  <a:srgbClr val="00B050"/>
+                </a:solidFill>
+              </a:endParaRPr>
+            </a:p>
+            <a:p>
+              <a:r>
+                <a:rPr lang="en-US" sz="1200" dirty="0" err="1" smtClean="0">
+                  <a:solidFill>
+                    <a:srgbClr val="00B050"/>
+                  </a:solidFill>
+                </a:rPr>
+                <a:t>ThemeEvent</a:t>
+              </a:r>
+              <a:r>
+                <a:rPr lang="en-US" sz="1200" dirty="0" smtClean="0">
+                  <a:solidFill>
+                    <a:srgbClr val="00B050"/>
+                  </a:solidFill>
+                </a:rPr>
+                <a:t>()</a:t>
+              </a:r>
+              <a:endParaRPr lang="en-US" sz="1200" dirty="0">
+                <a:solidFill>
+                  <a:srgbClr val="00B050"/>
+                </a:solidFill>
+              </a:endParaRPr>
+            </a:p>
+          </p:txBody>
+        </p:sp>
+        <p:cxnSp>
+          <p:nvCxnSpPr>
+            <p:cNvPr id="51" name="Straight Arrow Connector 50"/>
+            <p:cNvCxnSpPr/>
+            <p:nvPr/>
+          </p:nvCxnSpPr>
+          <p:spPr>
+            <a:xfrm>
+              <a:off x="2497983" y="5029200"/>
+              <a:ext cx="2052000" cy="1"/>
+            </a:xfrm>
+            <a:prstGeom prst="straightConnector1">
+              <a:avLst/>
+            </a:prstGeom>
+            <a:ln w="19050">
+              <a:solidFill>
+                <a:srgbClr val="00B050"/>
+              </a:solidFill>
+              <a:tailEnd type="arrow"/>
+            </a:ln>
+          </p:spPr>
+          <p:style>
+            <a:lnRef idx="1">
+              <a:schemeClr val="accent1"/>
+            </a:lnRef>
+            <a:fillRef idx="0">
+              <a:schemeClr val="accent1"/>
+            </a:fillRef>
+            <a:effectRef idx="0">
+              <a:schemeClr val="accent1"/>
+            </a:effectRef>
+            <a:fontRef idx="minor">
+              <a:schemeClr val="tx1"/>
+            </a:fontRef>
+          </p:style>
+        </p:cxnSp>
+        <p:cxnSp>
+          <p:nvCxnSpPr>
+            <p:cNvPr id="52" name="Straight Arrow Connector 51"/>
+            <p:cNvCxnSpPr/>
+            <p:nvPr/>
+          </p:nvCxnSpPr>
+          <p:spPr>
+            <a:xfrm>
+              <a:off x="2533326" y="5351153"/>
+              <a:ext cx="2016000" cy="0"/>
+            </a:xfrm>
+            <a:prstGeom prst="straightConnector1">
+              <a:avLst/>
+            </a:prstGeom>
+            <a:ln w="19050">
+              <a:solidFill>
+                <a:srgbClr val="7030A0"/>
+              </a:solidFill>
+              <a:prstDash val="sysDash"/>
+              <a:headEnd type="arrow" w="med" len="med"/>
+              <a:tailEnd type="none" w="med" len="med"/>
+            </a:ln>
+          </p:spPr>
+          <p:style>
+            <a:lnRef idx="1">
+              <a:schemeClr val="accent1"/>
+            </a:lnRef>
+            <a:fillRef idx="0">
+              <a:schemeClr val="accent1"/>
+            </a:fillRef>
+            <a:effectRef idx="0">
+              <a:schemeClr val="accent1"/>
+            </a:effectRef>
+            <a:fontRef idx="minor">
+              <a:schemeClr val="tx1"/>
+            </a:fontRef>
+          </p:style>
+        </p:cxnSp>
+        <p:cxnSp>
+          <p:nvCxnSpPr>
+            <p:cNvPr id="53" name="Straight Arrow Connector 52"/>
+            <p:cNvCxnSpPr/>
+            <p:nvPr/>
+          </p:nvCxnSpPr>
+          <p:spPr>
+            <a:xfrm>
+              <a:off x="5042139" y="5740902"/>
+              <a:ext cx="1692000" cy="0"/>
             </a:xfrm>
             <a:prstGeom prst="straightConnector1">
               <a:avLst/>
@@ -5764,38 +10494,39 @@
         </p:cxnSp>
         <p:cxnSp>
           <p:nvCxnSpPr>
-            <p:cNvPr id="28" name="Straight Connector 27"/>
+            <p:cNvPr id="54" name="Straight Arrow Connector 53"/>
             <p:cNvCxnSpPr/>
             <p:nvPr/>
           </p:nvCxnSpPr>
           <p:spPr>
-            <a:xfrm flipH="1">
-              <a:off x="314394" y="1099673"/>
-              <a:ext cx="25" cy="1598670"/>
+            <a:xfrm flipH="1" flipV="1">
+              <a:off x="2493600" y="5597004"/>
+              <a:ext cx="4212000" cy="0"/>
             </a:xfrm>
-            <a:prstGeom prst="line">
+            <a:prstGeom prst="straightConnector1">
               <a:avLst/>
             </a:prstGeom>
             <a:ln w="19050">
               <a:solidFill>
-                <a:schemeClr val="tx1"/>
+                <a:srgbClr val="00B050"/>
               </a:solidFill>
               <a:prstDash val="sysDash"/>
+              <a:headEnd type="arrow" w="med" len="med"/>
+              <a:tailEnd type="none" w="med" len="med"/>
             </a:ln>
-            <a:effectLst/>
           </p:spPr>
           <p:style>
             <a:lnRef idx="1">
               <a:schemeClr val="accent1"/>
             </a:lnRef>
-            <a:fillRef idx="2">
+            <a:fillRef idx="0">
               <a:schemeClr val="accent1"/>
             </a:fillRef>
-            <a:effectRef idx="1">
+            <a:effectRef idx="0">
               <a:schemeClr val="accent1"/>
             </a:effectRef>
             <a:fontRef idx="minor">
-              <a:schemeClr val="dk1"/>
+              <a:schemeClr val="tx1"/>
             </a:fontRef>
           </p:style>
         </p:cxnSp>
@@ -5803,7 +10534,7 @@
     </p:spTree>
     <p:extLst>
       <p:ext uri="{BB962C8B-B14F-4D97-AF65-F5344CB8AC3E}">
-        <p14:creationId xmlns:p14="http://schemas.microsoft.com/office/powerpoint/2010/main" val="450275044"/>
+        <p14:creationId xmlns:p14="http://schemas.microsoft.com/office/powerpoint/2010/main" val="993794811"/>
       </p:ext>
     </p:extLst>
   </p:cSld>
